--- a/HPE_Machine_Learning_Hackathon_CG_2022.pptx
+++ b/HPE_Machine_Learning_Hackathon_CG_2022.pptx
@@ -5,7 +5,7 @@
     <p:sldMasterId id="2147483648" r:id="rId1"/>
   </p:sldMasterIdLst>
   <p:notesMasterIdLst>
-    <p:notesMasterId r:id="rId11"/>
+    <p:notesMasterId r:id="rId12"/>
   </p:notesMasterIdLst>
   <p:sldIdLst>
     <p:sldId id="256" r:id="rId2"/>
@@ -13,60 +13,54 @@
     <p:sldId id="258" r:id="rId4"/>
     <p:sldId id="259" r:id="rId5"/>
     <p:sldId id="260" r:id="rId6"/>
-    <p:sldId id="261" r:id="rId7"/>
-    <p:sldId id="262" r:id="rId8"/>
-    <p:sldId id="263" r:id="rId9"/>
-    <p:sldId id="264" r:id="rId10"/>
+    <p:sldId id="265" r:id="rId7"/>
+    <p:sldId id="261" r:id="rId8"/>
+    <p:sldId id="262" r:id="rId9"/>
+    <p:sldId id="263" r:id="rId10"/>
+    <p:sldId id="264" r:id="rId11"/>
   </p:sldIdLst>
   <p:sldSz cx="9144000" cy="6858000" type="screen4x3"/>
   <p:notesSz cx="6858000" cy="9144000"/>
   <p:embeddedFontLst>
     <p:embeddedFont>
       <p:font typeface="Arial Black" panose="020B0A04020102020204" pitchFamily="34" charset="0"/>
-      <p:regular r:id="rId12"/>
-      <p:bold r:id="rId13"/>
+      <p:regular r:id="rId13"/>
+      <p:bold r:id="rId14"/>
     </p:embeddedFont>
     <p:embeddedFont>
       <p:font typeface="Calibri" panose="020F0502020204030204" pitchFamily="34" charset="0"/>
-      <p:regular r:id="rId14"/>
-      <p:bold r:id="rId15"/>
-      <p:italic r:id="rId16"/>
-      <p:boldItalic r:id="rId17"/>
+      <p:regular r:id="rId15"/>
+      <p:bold r:id="rId16"/>
+      <p:italic r:id="rId17"/>
+      <p:boldItalic r:id="rId18"/>
     </p:embeddedFont>
     <p:embeddedFont>
       <p:font typeface="Lato" panose="020F0502020204030203" pitchFamily="34" charset="0"/>
-      <p:regular r:id="rId18"/>
-      <p:bold r:id="rId19"/>
-      <p:italic r:id="rId20"/>
-      <p:boldItalic r:id="rId21"/>
+      <p:regular r:id="rId19"/>
+      <p:bold r:id="rId20"/>
+      <p:italic r:id="rId21"/>
+      <p:boldItalic r:id="rId22"/>
     </p:embeddedFont>
     <p:embeddedFont>
       <p:font typeface="Raleway" pitchFamily="2" charset="0"/>
-      <p:regular r:id="rId22"/>
-      <p:bold r:id="rId23"/>
-      <p:italic r:id="rId24"/>
-      <p:boldItalic r:id="rId25"/>
+      <p:regular r:id="rId23"/>
+      <p:bold r:id="rId24"/>
+      <p:italic r:id="rId25"/>
+      <p:boldItalic r:id="rId26"/>
     </p:embeddedFont>
     <p:embeddedFont>
       <p:font typeface="Roboto Mono" panose="020B0604020202020204" charset="0"/>
-      <p:regular r:id="rId26"/>
-      <p:bold r:id="rId27"/>
-      <p:italic r:id="rId28"/>
-      <p:boldItalic r:id="rId29"/>
-    </p:embeddedFont>
-    <p:embeddedFont>
-      <p:font typeface="Roboto Mono SemiBold" panose="020B0604020202020204" charset="0"/>
-      <p:regular r:id="rId30"/>
-      <p:bold r:id="rId31"/>
-      <p:italic r:id="rId32"/>
-      <p:boldItalic r:id="rId33"/>
+      <p:regular r:id="rId27"/>
+      <p:bold r:id="rId28"/>
+      <p:italic r:id="rId29"/>
+      <p:boldItalic r:id="rId30"/>
     </p:embeddedFont>
     <p:embeddedFont>
       <p:font typeface="Verdana" panose="020B0604030504040204" pitchFamily="34" charset="0"/>
-      <p:regular r:id="rId34"/>
-      <p:bold r:id="rId35"/>
-      <p:italic r:id="rId36"/>
-      <p:boldItalic r:id="rId37"/>
+      <p:regular r:id="rId31"/>
+      <p:bold r:id="rId32"/>
+      <p:italic r:id="rId33"/>
+      <p:boldItalic r:id="rId34"/>
     </p:embeddedFont>
   </p:embeddedFontLst>
   <p:defaultTextStyle>
@@ -314,10 +308,845 @@
       </p15:sldGuideLst>
     </p:ext>
     <p:ext uri="http://customooxmlschemas.google.com/">
-      <go:slidesCustomData xmlns:go="http://customooxmlschemas.google.com/" xmlns:ahyp="http://schemas.microsoft.com/office/drawing/2018/hyperlinkcolor" xmlns:p15="http://schemas.microsoft.com/office/powerpoint/2012/main" xmlns:p14="http://schemas.microsoft.com/office/powerpoint/2010/main" xmlns:com="http://schemas.openxmlformats.org/drawingml/2006/compatibility" xmlns:pvml="urn:schemas-microsoft-com:office:powerpoint" xmlns:v="urn:schemas-microsoft-com:vml" xmlns:o="urn:schemas-microsoft-com:office:office" xmlns:dgm="http://schemas.openxmlformats.org/drawingml/2006/diagram" xmlns:c="http://schemas.openxmlformats.org/drawingml/2006/chart" xmlns:mv="urn:schemas-microsoft-com:mac:vml" xmlns:mc="http://schemas.openxmlformats.org/markup-compatibility/2006" xmlns="" r:id="rId38" roundtripDataSignature="AMtx7mhVMiFkaysB7bd9kIUiYAf1968HIw=="/>
+      <go:slidesCustomData xmlns:go="http://customooxmlschemas.google.com/" xmlns:ahyp="http://schemas.microsoft.com/office/drawing/2018/hyperlinkcolor" xmlns:p15="http://schemas.microsoft.com/office/powerpoint/2012/main" xmlns:p14="http://schemas.microsoft.com/office/powerpoint/2010/main" xmlns:com="http://schemas.openxmlformats.org/drawingml/2006/compatibility" xmlns:pvml="urn:schemas-microsoft-com:office:powerpoint" xmlns:v="urn:schemas-microsoft-com:vml" xmlns:o="urn:schemas-microsoft-com:office:office" xmlns:dgm="http://schemas.openxmlformats.org/drawingml/2006/diagram" xmlns:c="http://schemas.openxmlformats.org/drawingml/2006/chart" xmlns:mv="urn:schemas-microsoft-com:mac:vml" xmlns:mc="http://schemas.openxmlformats.org/markup-compatibility/2006" xmlns="" r:id="rId39" roundtripDataSignature="AMtx7mhVMiFkaysB7bd9kIUiYAf1968HIw=="/>
     </p:ext>
   </p:extLst>
 </p:presentation>
+</file>
+
+<file path=ppt/charts/chart1.xml><?xml version="1.0" encoding="utf-8"?>
+<c:chartSpace xmlns:c="http://schemas.openxmlformats.org/drawingml/2006/chart" xmlns:a="http://schemas.openxmlformats.org/drawingml/2006/main" xmlns:r="http://schemas.openxmlformats.org/officeDocument/2006/relationships" xmlns:c16r2="http://schemas.microsoft.com/office/drawing/2015/06/chart">
+  <c:date1904 val="0"/>
+  <c:lang val="en-US"/>
+  <c:roundedCorners val="0"/>
+  <mc:AlternateContent xmlns:mc="http://schemas.openxmlformats.org/markup-compatibility/2006">
+    <mc:Choice xmlns:c14="http://schemas.microsoft.com/office/drawing/2007/8/2/chart" Requires="c14">
+      <c14:style val="102"/>
+    </mc:Choice>
+    <mc:Fallback>
+      <c:style val="2"/>
+    </mc:Fallback>
+  </mc:AlternateContent>
+  <c:chart>
+    <c:title>
+      <c:overlay val="0"/>
+      <c:spPr>
+        <a:noFill/>
+        <a:ln>
+          <a:noFill/>
+        </a:ln>
+        <a:effectLst/>
+      </c:spPr>
+      <c:txPr>
+        <a:bodyPr rot="0" spcFirstLastPara="1" vertOverflow="ellipsis" vert="horz" wrap="square" anchor="ctr" anchorCtr="1"/>
+        <a:lstStyle/>
+        <a:p>
+          <a:pPr>
+            <a:defRPr sz="1862" b="0" i="0" u="none" strike="noStrike" kern="1200" spc="0" baseline="0">
+              <a:solidFill>
+                <a:schemeClr val="tx1">
+                  <a:lumMod val="65000"/>
+                  <a:lumOff val="35000"/>
+                </a:schemeClr>
+              </a:solidFill>
+              <a:latin typeface="+mn-lt"/>
+              <a:ea typeface="+mn-ea"/>
+              <a:cs typeface="+mn-cs"/>
+            </a:defRPr>
+          </a:pPr>
+          <a:endParaRPr lang="en-US"/>
+        </a:p>
+      </c:txPr>
+    </c:title>
+    <c:autoTitleDeleted val="0"/>
+    <c:plotArea>
+      <c:layout/>
+      <c:pieChart>
+        <c:varyColors val="1"/>
+        <c:ser>
+          <c:idx val="0"/>
+          <c:order val="0"/>
+          <c:tx>
+            <c:strRef>
+              <c:f>Sheet1!$B$1</c:f>
+              <c:strCache>
+                <c:ptCount val="1"/>
+                <c:pt idx="0">
+                  <c:v>Class Balance</c:v>
+                </c:pt>
+              </c:strCache>
+            </c:strRef>
+          </c:tx>
+          <c:dPt>
+            <c:idx val="0"/>
+            <c:bubble3D val="0"/>
+            <c:spPr>
+              <a:solidFill>
+                <a:schemeClr val="accent6"/>
+              </a:solidFill>
+              <a:ln w="19050">
+                <a:solidFill>
+                  <a:schemeClr val="lt1"/>
+                </a:solidFill>
+              </a:ln>
+              <a:effectLst/>
+            </c:spPr>
+            <c:extLst>
+              <c:ext xmlns:c16="http://schemas.microsoft.com/office/drawing/2014/chart" uri="{C3380CC4-5D6E-409C-BE32-E72D297353CC}">
+                <c16:uniqueId val="{00000001-696F-4998-BAEB-7891883D93C7}"/>
+              </c:ext>
+            </c:extLst>
+          </c:dPt>
+          <c:dPt>
+            <c:idx val="1"/>
+            <c:bubble3D val="0"/>
+            <c:spPr>
+              <a:solidFill>
+                <a:schemeClr val="accent5"/>
+              </a:solidFill>
+              <a:ln w="19050">
+                <a:solidFill>
+                  <a:schemeClr val="lt1"/>
+                </a:solidFill>
+              </a:ln>
+              <a:effectLst/>
+            </c:spPr>
+            <c:extLst>
+              <c:ext xmlns:c16="http://schemas.microsoft.com/office/drawing/2014/chart" uri="{C3380CC4-5D6E-409C-BE32-E72D297353CC}">
+                <c16:uniqueId val="{00000003-696F-4998-BAEB-7891883D93C7}"/>
+              </c:ext>
+            </c:extLst>
+          </c:dPt>
+          <c:dLbls>
+            <c:spPr>
+              <a:noFill/>
+              <a:ln>
+                <a:noFill/>
+              </a:ln>
+              <a:effectLst/>
+            </c:spPr>
+            <c:txPr>
+              <a:bodyPr rot="0" spcFirstLastPara="1" vertOverflow="ellipsis" vert="horz" wrap="square" lIns="38100" tIns="19050" rIns="38100" bIns="19050" anchor="ctr" anchorCtr="1">
+                <a:spAutoFit/>
+              </a:bodyPr>
+              <a:lstStyle/>
+              <a:p>
+                <a:pPr>
+                  <a:defRPr sz="1197" b="0" i="0" u="none" strike="noStrike" kern="1200" baseline="0">
+                    <a:solidFill>
+                      <a:schemeClr val="tx1">
+                        <a:lumMod val="75000"/>
+                        <a:lumOff val="25000"/>
+                      </a:schemeClr>
+                    </a:solidFill>
+                    <a:latin typeface="+mn-lt"/>
+                    <a:ea typeface="+mn-ea"/>
+                    <a:cs typeface="+mn-cs"/>
+                  </a:defRPr>
+                </a:pPr>
+                <a:endParaRPr lang="en-US"/>
+              </a:p>
+            </c:txPr>
+            <c:dLblPos val="ctr"/>
+            <c:showLegendKey val="0"/>
+            <c:showVal val="0"/>
+            <c:showCatName val="0"/>
+            <c:showSerName val="0"/>
+            <c:showPercent val="1"/>
+            <c:showBubbleSize val="0"/>
+            <c:showLeaderLines val="1"/>
+            <c:leaderLines>
+              <c:spPr>
+                <a:ln w="9525" cap="flat" cmpd="sng" algn="ctr">
+                  <a:solidFill>
+                    <a:schemeClr val="tx1">
+                      <a:lumMod val="35000"/>
+                      <a:lumOff val="65000"/>
+                    </a:schemeClr>
+                  </a:solidFill>
+                  <a:round/>
+                </a:ln>
+                <a:effectLst/>
+              </c:spPr>
+            </c:leaderLines>
+            <c:extLst>
+              <c:ext xmlns:c15="http://schemas.microsoft.com/office/drawing/2012/chart" uri="{CE6537A1-D6FC-4f65-9D91-7224C49458BB}"/>
+            </c:extLst>
+          </c:dLbls>
+          <c:cat>
+            <c:strRef>
+              <c:f>Sheet1!$A$2:$A$3</c:f>
+              <c:strCache>
+                <c:ptCount val="2"/>
+                <c:pt idx="0">
+                  <c:v>Phishing</c:v>
+                </c:pt>
+                <c:pt idx="1">
+                  <c:v>Legitimate</c:v>
+                </c:pt>
+              </c:strCache>
+            </c:strRef>
+          </c:cat>
+          <c:val>
+            <c:numRef>
+              <c:f>Sheet1!$B$2:$B$3</c:f>
+              <c:numCache>
+                <c:formatCode>General</c:formatCode>
+                <c:ptCount val="2"/>
+                <c:pt idx="0">
+                  <c:v>51</c:v>
+                </c:pt>
+                <c:pt idx="1">
+                  <c:v>49</c:v>
+                </c:pt>
+              </c:numCache>
+            </c:numRef>
+          </c:val>
+          <c:extLst>
+            <c:ext xmlns:c16="http://schemas.microsoft.com/office/drawing/2014/chart" uri="{C3380CC4-5D6E-409C-BE32-E72D297353CC}">
+              <c16:uniqueId val="{00000000-3CA9-4E6C-A913-71E0D8E2F056}"/>
+            </c:ext>
+          </c:extLst>
+        </c:ser>
+        <c:dLbls>
+          <c:dLblPos val="ctr"/>
+          <c:showLegendKey val="0"/>
+          <c:showVal val="0"/>
+          <c:showCatName val="0"/>
+          <c:showSerName val="0"/>
+          <c:showPercent val="1"/>
+          <c:showBubbleSize val="0"/>
+          <c:showLeaderLines val="1"/>
+        </c:dLbls>
+        <c:firstSliceAng val="0"/>
+      </c:pieChart>
+      <c:spPr>
+        <a:noFill/>
+        <a:ln>
+          <a:noFill/>
+        </a:ln>
+        <a:effectLst/>
+      </c:spPr>
+    </c:plotArea>
+    <c:legend>
+      <c:legendPos val="b"/>
+      <c:overlay val="0"/>
+      <c:spPr>
+        <a:noFill/>
+        <a:ln>
+          <a:noFill/>
+        </a:ln>
+        <a:effectLst/>
+      </c:spPr>
+      <c:txPr>
+        <a:bodyPr rot="0" spcFirstLastPara="1" vertOverflow="ellipsis" vert="horz" wrap="square" anchor="ctr" anchorCtr="1"/>
+        <a:lstStyle/>
+        <a:p>
+          <a:pPr>
+            <a:defRPr sz="1197" b="0" i="0" u="none" strike="noStrike" kern="1200" baseline="0">
+              <a:solidFill>
+                <a:schemeClr val="tx1">
+                  <a:lumMod val="65000"/>
+                  <a:lumOff val="35000"/>
+                </a:schemeClr>
+              </a:solidFill>
+              <a:latin typeface="+mn-lt"/>
+              <a:ea typeface="+mn-ea"/>
+              <a:cs typeface="+mn-cs"/>
+            </a:defRPr>
+          </a:pPr>
+          <a:endParaRPr lang="en-US"/>
+        </a:p>
+      </c:txPr>
+    </c:legend>
+    <c:plotVisOnly val="1"/>
+    <c:dispBlanksAs val="gap"/>
+    <c:extLst>
+      <c:ext xmlns:c16r3="http://schemas.microsoft.com/office/drawing/2017/03/chart" uri="{56B9EC1D-385E-4148-901F-78D8002777C0}">
+        <c16r3:dataDisplayOptions16>
+          <c16r3:dispNaAsBlank val="1"/>
+        </c16r3:dataDisplayOptions16>
+      </c:ext>
+    </c:extLst>
+    <c:showDLblsOverMax val="0"/>
+  </c:chart>
+  <c:spPr>
+    <a:noFill/>
+    <a:ln>
+      <a:noFill/>
+    </a:ln>
+    <a:effectLst/>
+  </c:spPr>
+  <c:txPr>
+    <a:bodyPr/>
+    <a:lstStyle/>
+    <a:p>
+      <a:pPr>
+        <a:defRPr/>
+      </a:pPr>
+      <a:endParaRPr lang="en-US"/>
+    </a:p>
+  </c:txPr>
+  <c:externalData r:id="rId3">
+    <c:autoUpdate val="0"/>
+  </c:externalData>
+</c:chartSpace>
+</file>
+
+<file path=ppt/charts/colors1.xml><?xml version="1.0" encoding="utf-8"?>
+<cs:colorStyle xmlns:cs="http://schemas.microsoft.com/office/drawing/2012/chartStyle" xmlns:a="http://schemas.openxmlformats.org/drawingml/2006/main" meth="cycle" id="13">
+  <a:schemeClr val="accent6"/>
+  <a:schemeClr val="accent5"/>
+  <a:schemeClr val="accent4"/>
+  <cs:variation/>
+  <cs:variation>
+    <a:lumMod val="60000"/>
+  </cs:variation>
+  <cs:variation>
+    <a:lumMod val="80000"/>
+    <a:lumOff val="20000"/>
+  </cs:variation>
+  <cs:variation>
+    <a:lumMod val="80000"/>
+  </cs:variation>
+  <cs:variation>
+    <a:lumMod val="60000"/>
+    <a:lumOff val="40000"/>
+  </cs:variation>
+  <cs:variation>
+    <a:lumMod val="50000"/>
+  </cs:variation>
+  <cs:variation>
+    <a:lumMod val="70000"/>
+    <a:lumOff val="30000"/>
+  </cs:variation>
+  <cs:variation>
+    <a:lumMod val="70000"/>
+  </cs:variation>
+  <cs:variation>
+    <a:lumMod val="50000"/>
+    <a:lumOff val="50000"/>
+  </cs:variation>
+</cs:colorStyle>
+</file>
+
+<file path=ppt/charts/style1.xml><?xml version="1.0" encoding="utf-8"?>
+<cs:chartStyle xmlns:cs="http://schemas.microsoft.com/office/drawing/2012/chartStyle" xmlns:a="http://schemas.openxmlformats.org/drawingml/2006/main" id="251">
+  <cs:axisTitle>
+    <cs:lnRef idx="0"/>
+    <cs:fillRef idx="0"/>
+    <cs:effectRef idx="0"/>
+    <cs:fontRef idx="minor">
+      <a:schemeClr val="tx1">
+        <a:lumMod val="65000"/>
+        <a:lumOff val="35000"/>
+      </a:schemeClr>
+    </cs:fontRef>
+    <cs:defRPr sz="1330" kern="1200"/>
+  </cs:axisTitle>
+  <cs:categoryAxis>
+    <cs:lnRef idx="0"/>
+    <cs:fillRef idx="0"/>
+    <cs:effectRef idx="0"/>
+    <cs:fontRef idx="minor">
+      <a:schemeClr val="tx1">
+        <a:lumMod val="65000"/>
+        <a:lumOff val="35000"/>
+      </a:schemeClr>
+    </cs:fontRef>
+    <cs:spPr>
+      <a:ln w="9525" cap="flat" cmpd="sng" algn="ctr">
+        <a:solidFill>
+          <a:schemeClr val="tx1">
+            <a:lumMod val="15000"/>
+            <a:lumOff val="85000"/>
+          </a:schemeClr>
+        </a:solidFill>
+        <a:round/>
+      </a:ln>
+    </cs:spPr>
+    <cs:defRPr sz="1197" kern="1200"/>
+  </cs:categoryAxis>
+  <cs:chartArea mods="allowNoFillOverride allowNoLineOverride">
+    <cs:lnRef idx="0"/>
+    <cs:fillRef idx="0"/>
+    <cs:effectRef idx="0"/>
+    <cs:fontRef idx="minor">
+      <a:schemeClr val="tx1"/>
+    </cs:fontRef>
+    <cs:spPr>
+      <a:solidFill>
+        <a:schemeClr val="bg1"/>
+      </a:solidFill>
+      <a:ln w="9525" cap="flat" cmpd="sng" algn="ctr">
+        <a:solidFill>
+          <a:schemeClr val="tx1">
+            <a:lumMod val="15000"/>
+            <a:lumOff val="85000"/>
+          </a:schemeClr>
+        </a:solidFill>
+        <a:round/>
+      </a:ln>
+    </cs:spPr>
+    <cs:defRPr sz="1197" kern="1200"/>
+  </cs:chartArea>
+  <cs:dataLabel>
+    <cs:lnRef idx="0"/>
+    <cs:fillRef idx="0"/>
+    <cs:effectRef idx="0"/>
+    <cs:fontRef idx="minor">
+      <a:schemeClr val="tx1">
+        <a:lumMod val="75000"/>
+        <a:lumOff val="25000"/>
+      </a:schemeClr>
+    </cs:fontRef>
+    <cs:defRPr sz="1197" kern="1200"/>
+  </cs:dataLabel>
+  <cs:dataLabelCallout>
+    <cs:lnRef idx="0"/>
+    <cs:fillRef idx="0"/>
+    <cs:effectRef idx="0"/>
+    <cs:fontRef idx="minor">
+      <a:schemeClr val="dk1">
+        <a:lumMod val="65000"/>
+        <a:lumOff val="35000"/>
+      </a:schemeClr>
+    </cs:fontRef>
+    <cs:spPr>
+      <a:solidFill>
+        <a:schemeClr val="lt1"/>
+      </a:solidFill>
+      <a:ln>
+        <a:solidFill>
+          <a:schemeClr val="dk1">
+            <a:lumMod val="25000"/>
+            <a:lumOff val="75000"/>
+          </a:schemeClr>
+        </a:solidFill>
+      </a:ln>
+    </cs:spPr>
+    <cs:defRPr sz="1197" kern="1200"/>
+    <cs:bodyPr rot="0" spcFirstLastPara="1" vertOverflow="clip" horzOverflow="clip" vert="horz" wrap="square" lIns="36576" tIns="18288" rIns="36576" bIns="18288" anchor="ctr" anchorCtr="1">
+      <a:spAutoFit/>
+    </cs:bodyPr>
+  </cs:dataLabelCallout>
+  <cs:dataPoint>
+    <cs:lnRef idx="0"/>
+    <cs:fillRef idx="1">
+      <cs:styleClr val="auto"/>
+    </cs:fillRef>
+    <cs:effectRef idx="0"/>
+    <cs:fontRef idx="minor">
+      <a:schemeClr val="tx1"/>
+    </cs:fontRef>
+    <cs:spPr>
+      <a:ln w="19050">
+        <a:solidFill>
+          <a:schemeClr val="lt1"/>
+        </a:solidFill>
+      </a:ln>
+    </cs:spPr>
+  </cs:dataPoint>
+  <cs:dataPoint3D>
+    <cs:lnRef idx="0"/>
+    <cs:fillRef idx="1">
+      <cs:styleClr val="auto"/>
+    </cs:fillRef>
+    <cs:effectRef idx="0"/>
+    <cs:fontRef idx="minor">
+      <a:schemeClr val="tx1"/>
+    </cs:fontRef>
+    <cs:spPr>
+      <a:ln w="25400">
+        <a:solidFill>
+          <a:schemeClr val="lt1"/>
+        </a:solidFill>
+      </a:ln>
+    </cs:spPr>
+  </cs:dataPoint3D>
+  <cs:dataPointLine>
+    <cs:lnRef idx="0">
+      <cs:styleClr val="auto"/>
+    </cs:lnRef>
+    <cs:fillRef idx="0"/>
+    <cs:effectRef idx="0"/>
+    <cs:fontRef idx="minor">
+      <a:schemeClr val="tx1"/>
+    </cs:fontRef>
+    <cs:spPr>
+      <a:ln w="28575" cap="rnd">
+        <a:solidFill>
+          <a:schemeClr val="phClr"/>
+        </a:solidFill>
+        <a:round/>
+      </a:ln>
+    </cs:spPr>
+  </cs:dataPointLine>
+  <cs:dataPointMarker>
+    <cs:lnRef idx="0">
+      <cs:styleClr val="auto"/>
+    </cs:lnRef>
+    <cs:fillRef idx="1">
+      <cs:styleClr val="auto"/>
+    </cs:fillRef>
+    <cs:effectRef idx="0"/>
+    <cs:fontRef idx="minor">
+      <a:schemeClr val="tx1"/>
+    </cs:fontRef>
+    <cs:spPr>
+      <a:ln w="9525">
+        <a:solidFill>
+          <a:schemeClr val="phClr"/>
+        </a:solidFill>
+      </a:ln>
+    </cs:spPr>
+  </cs:dataPointMarker>
+  <cs:dataPointMarkerLayout symbol="circle" size="5"/>
+  <cs:dataPointWireframe>
+    <cs:lnRef idx="0">
+      <cs:styleClr val="auto"/>
+    </cs:lnRef>
+    <cs:fillRef idx="0"/>
+    <cs:effectRef idx="0"/>
+    <cs:fontRef idx="minor">
+      <a:schemeClr val="tx1"/>
+    </cs:fontRef>
+    <cs:spPr>
+      <a:ln w="9525" cap="rnd">
+        <a:solidFill>
+          <a:schemeClr val="phClr"/>
+        </a:solidFill>
+        <a:round/>
+      </a:ln>
+    </cs:spPr>
+  </cs:dataPointWireframe>
+  <cs:dataTable>
+    <cs:lnRef idx="0"/>
+    <cs:fillRef idx="0"/>
+    <cs:effectRef idx="0"/>
+    <cs:fontRef idx="minor">
+      <a:schemeClr val="tx1">
+        <a:lumMod val="65000"/>
+        <a:lumOff val="35000"/>
+      </a:schemeClr>
+    </cs:fontRef>
+    <cs:spPr>
+      <a:noFill/>
+      <a:ln w="9525" cap="flat" cmpd="sng" algn="ctr">
+        <a:solidFill>
+          <a:schemeClr val="tx1">
+            <a:lumMod val="15000"/>
+            <a:lumOff val="85000"/>
+          </a:schemeClr>
+        </a:solidFill>
+        <a:round/>
+      </a:ln>
+    </cs:spPr>
+    <cs:defRPr sz="1197" kern="1200"/>
+  </cs:dataTable>
+  <cs:downBar>
+    <cs:lnRef idx="0"/>
+    <cs:fillRef idx="0"/>
+    <cs:effectRef idx="0"/>
+    <cs:fontRef idx="minor">
+      <a:schemeClr val="tx1"/>
+    </cs:fontRef>
+    <cs:spPr>
+      <a:solidFill>
+        <a:schemeClr val="dk1">
+          <a:lumMod val="75000"/>
+          <a:lumOff val="25000"/>
+        </a:schemeClr>
+      </a:solidFill>
+      <a:ln w="9525" cap="flat" cmpd="sng" algn="ctr">
+        <a:solidFill>
+          <a:schemeClr val="tx1">
+            <a:lumMod val="65000"/>
+            <a:lumOff val="35000"/>
+          </a:schemeClr>
+        </a:solidFill>
+        <a:round/>
+      </a:ln>
+    </cs:spPr>
+  </cs:downBar>
+  <cs:dropLine>
+    <cs:lnRef idx="0"/>
+    <cs:fillRef idx="0"/>
+    <cs:effectRef idx="0"/>
+    <cs:fontRef idx="minor">
+      <a:schemeClr val="tx1"/>
+    </cs:fontRef>
+    <cs:spPr>
+      <a:ln w="9525" cap="flat" cmpd="sng" algn="ctr">
+        <a:solidFill>
+          <a:schemeClr val="tx1">
+            <a:lumMod val="35000"/>
+            <a:lumOff val="65000"/>
+          </a:schemeClr>
+        </a:solidFill>
+        <a:round/>
+      </a:ln>
+    </cs:spPr>
+  </cs:dropLine>
+  <cs:errorBar>
+    <cs:lnRef idx="0"/>
+    <cs:fillRef idx="0"/>
+    <cs:effectRef idx="0"/>
+    <cs:fontRef idx="minor">
+      <a:schemeClr val="tx1"/>
+    </cs:fontRef>
+    <cs:spPr>
+      <a:ln w="9525" cap="flat" cmpd="sng" algn="ctr">
+        <a:solidFill>
+          <a:schemeClr val="tx1">
+            <a:lumMod val="65000"/>
+            <a:lumOff val="35000"/>
+          </a:schemeClr>
+        </a:solidFill>
+        <a:round/>
+      </a:ln>
+    </cs:spPr>
+  </cs:errorBar>
+  <cs:floor>
+    <cs:lnRef idx="0"/>
+    <cs:fillRef idx="0"/>
+    <cs:effectRef idx="0"/>
+    <cs:fontRef idx="minor">
+      <a:schemeClr val="tx1"/>
+    </cs:fontRef>
+    <cs:spPr>
+      <a:noFill/>
+      <a:ln>
+        <a:noFill/>
+      </a:ln>
+    </cs:spPr>
+  </cs:floor>
+  <cs:gridlineMajor>
+    <cs:lnRef idx="0"/>
+    <cs:fillRef idx="0"/>
+    <cs:effectRef idx="0"/>
+    <cs:fontRef idx="minor">
+      <a:schemeClr val="tx1"/>
+    </cs:fontRef>
+    <cs:spPr>
+      <a:ln w="9525" cap="flat" cmpd="sng" algn="ctr">
+        <a:solidFill>
+          <a:schemeClr val="tx1">
+            <a:lumMod val="15000"/>
+            <a:lumOff val="85000"/>
+          </a:schemeClr>
+        </a:solidFill>
+        <a:round/>
+      </a:ln>
+    </cs:spPr>
+  </cs:gridlineMajor>
+  <cs:gridlineMinor>
+    <cs:lnRef idx="0"/>
+    <cs:fillRef idx="0"/>
+    <cs:effectRef idx="0"/>
+    <cs:fontRef idx="minor">
+      <a:schemeClr val="tx1"/>
+    </cs:fontRef>
+    <cs:spPr>
+      <a:ln w="9525" cap="flat" cmpd="sng" algn="ctr">
+        <a:solidFill>
+          <a:schemeClr val="tx1">
+            <a:lumMod val="5000"/>
+            <a:lumOff val="95000"/>
+          </a:schemeClr>
+        </a:solidFill>
+        <a:round/>
+      </a:ln>
+    </cs:spPr>
+  </cs:gridlineMinor>
+  <cs:hiLoLine>
+    <cs:lnRef idx="0"/>
+    <cs:fillRef idx="0"/>
+    <cs:effectRef idx="0"/>
+    <cs:fontRef idx="minor">
+      <a:schemeClr val="tx1"/>
+    </cs:fontRef>
+    <cs:spPr>
+      <a:ln w="9525" cap="flat" cmpd="sng" algn="ctr">
+        <a:solidFill>
+          <a:schemeClr val="tx1">
+            <a:lumMod val="50000"/>
+            <a:lumOff val="50000"/>
+          </a:schemeClr>
+        </a:solidFill>
+        <a:round/>
+      </a:ln>
+    </cs:spPr>
+  </cs:hiLoLine>
+  <cs:leaderLine>
+    <cs:lnRef idx="0"/>
+    <cs:fillRef idx="0"/>
+    <cs:effectRef idx="0"/>
+    <cs:fontRef idx="minor">
+      <a:schemeClr val="tx1"/>
+    </cs:fontRef>
+    <cs:spPr>
+      <a:ln w="9525" cap="flat" cmpd="sng" algn="ctr">
+        <a:solidFill>
+          <a:schemeClr val="tx1">
+            <a:lumMod val="35000"/>
+            <a:lumOff val="65000"/>
+          </a:schemeClr>
+        </a:solidFill>
+        <a:round/>
+      </a:ln>
+    </cs:spPr>
+  </cs:leaderLine>
+  <cs:legend>
+    <cs:lnRef idx="0"/>
+    <cs:fillRef idx="0"/>
+    <cs:effectRef idx="0"/>
+    <cs:fontRef idx="minor">
+      <a:schemeClr val="tx1">
+        <a:lumMod val="65000"/>
+        <a:lumOff val="35000"/>
+      </a:schemeClr>
+    </cs:fontRef>
+    <cs:defRPr sz="1197" kern="1200"/>
+  </cs:legend>
+  <cs:plotArea mods="allowNoFillOverride allowNoLineOverride">
+    <cs:lnRef idx="0"/>
+    <cs:fillRef idx="0"/>
+    <cs:effectRef idx="0"/>
+    <cs:fontRef idx="minor">
+      <a:schemeClr val="tx1"/>
+    </cs:fontRef>
+  </cs:plotArea>
+  <cs:plotArea3D mods="allowNoFillOverride allowNoLineOverride">
+    <cs:lnRef idx="0"/>
+    <cs:fillRef idx="0"/>
+    <cs:effectRef idx="0"/>
+    <cs:fontRef idx="minor">
+      <a:schemeClr val="tx1"/>
+    </cs:fontRef>
+  </cs:plotArea3D>
+  <cs:seriesAxis>
+    <cs:lnRef idx="0"/>
+    <cs:fillRef idx="0"/>
+    <cs:effectRef idx="0"/>
+    <cs:fontRef idx="minor">
+      <a:schemeClr val="tx1">
+        <a:lumMod val="65000"/>
+        <a:lumOff val="35000"/>
+      </a:schemeClr>
+    </cs:fontRef>
+    <cs:defRPr sz="1197" kern="1200"/>
+  </cs:seriesAxis>
+  <cs:seriesLine>
+    <cs:lnRef idx="0"/>
+    <cs:fillRef idx="0"/>
+    <cs:effectRef idx="0"/>
+    <cs:fontRef idx="minor">
+      <a:schemeClr val="tx1"/>
+    </cs:fontRef>
+    <cs:spPr>
+      <a:ln w="9525" cap="flat" cmpd="sng" algn="ctr">
+        <a:solidFill>
+          <a:schemeClr val="tx1">
+            <a:lumMod val="35000"/>
+            <a:lumOff val="65000"/>
+          </a:schemeClr>
+        </a:solidFill>
+        <a:round/>
+      </a:ln>
+    </cs:spPr>
+  </cs:seriesLine>
+  <cs:title>
+    <cs:lnRef idx="0"/>
+    <cs:fillRef idx="0"/>
+    <cs:effectRef idx="0"/>
+    <cs:fontRef idx="minor">
+      <a:schemeClr val="tx1">
+        <a:lumMod val="65000"/>
+        <a:lumOff val="35000"/>
+      </a:schemeClr>
+    </cs:fontRef>
+    <cs:defRPr sz="1862" b="0" kern="1200" spc="0" baseline="0"/>
+  </cs:title>
+  <cs:trendline>
+    <cs:lnRef idx="0">
+      <cs:styleClr val="auto"/>
+    </cs:lnRef>
+    <cs:fillRef idx="0"/>
+    <cs:effectRef idx="0"/>
+    <cs:fontRef idx="minor">
+      <a:schemeClr val="tx1"/>
+    </cs:fontRef>
+    <cs:spPr>
+      <a:ln w="19050" cap="rnd">
+        <a:solidFill>
+          <a:schemeClr val="phClr"/>
+        </a:solidFill>
+        <a:prstDash val="sysDot"/>
+      </a:ln>
+    </cs:spPr>
+  </cs:trendline>
+  <cs:trendlineLabel>
+    <cs:lnRef idx="0"/>
+    <cs:fillRef idx="0"/>
+    <cs:effectRef idx="0"/>
+    <cs:fontRef idx="minor">
+      <a:schemeClr val="tx1">
+        <a:lumMod val="65000"/>
+        <a:lumOff val="35000"/>
+      </a:schemeClr>
+    </cs:fontRef>
+    <cs:defRPr sz="1197" kern="1200"/>
+  </cs:trendlineLabel>
+  <cs:upBar>
+    <cs:lnRef idx="0"/>
+    <cs:fillRef idx="0"/>
+    <cs:effectRef idx="0"/>
+    <cs:fontRef idx="minor">
+      <a:schemeClr val="tx1"/>
+    </cs:fontRef>
+    <cs:spPr>
+      <a:solidFill>
+        <a:schemeClr val="lt1"/>
+      </a:solidFill>
+      <a:ln w="9525" cap="flat" cmpd="sng" algn="ctr">
+        <a:solidFill>
+          <a:schemeClr val="tx1">
+            <a:lumMod val="65000"/>
+            <a:lumOff val="35000"/>
+          </a:schemeClr>
+        </a:solidFill>
+        <a:round/>
+      </a:ln>
+    </cs:spPr>
+  </cs:upBar>
+  <cs:valueAxis>
+    <cs:lnRef idx="0"/>
+    <cs:fillRef idx="0"/>
+    <cs:effectRef idx="0"/>
+    <cs:fontRef idx="minor">
+      <a:schemeClr val="tx1">
+        <a:lumMod val="65000"/>
+        <a:lumOff val="35000"/>
+      </a:schemeClr>
+    </cs:fontRef>
+    <cs:defRPr sz="1197" kern="1200"/>
+  </cs:valueAxis>
+  <cs:wall>
+    <cs:lnRef idx="0"/>
+    <cs:fillRef idx="0"/>
+    <cs:effectRef idx="0"/>
+    <cs:fontRef idx="minor">
+      <a:schemeClr val="tx1"/>
+    </cs:fontRef>
+    <cs:spPr>
+      <a:noFill/>
+      <a:ln>
+        <a:noFill/>
+      </a:ln>
+    </cs:spPr>
+  </cs:wall>
+</cs:chartStyle>
 </file>
 
 <file path=ppt/notesMasters/notesMaster1.xml><?xml version="1.0" encoding="utf-8"?>
@@ -865,6 +1694,110 @@
 </p:notes>
 </file>
 
+<file path=ppt/notesSlides/notesSlide10.xml><?xml version="1.0" encoding="utf-8"?>
+<p:notes xmlns:a="http://schemas.openxmlformats.org/drawingml/2006/main" xmlns:r="http://schemas.openxmlformats.org/officeDocument/2006/relationships" xmlns:p="http://schemas.openxmlformats.org/presentationml/2006/main" showMasterSp="0" showMasterPhAnim="0">
+  <p:cSld>
+    <p:spTree>
+      <p:nvGrpSpPr>
+        <p:cNvPr id="1" name="Shape 153"/>
+        <p:cNvGrpSpPr/>
+        <p:nvPr/>
+      </p:nvGrpSpPr>
+      <p:grpSpPr>
+        <a:xfrm>
+          <a:off x="0" y="0"/>
+          <a:ext cx="0" cy="0"/>
+          <a:chOff x="0" y="0"/>
+          <a:chExt cx="0" cy="0"/>
+        </a:xfrm>
+      </p:grpSpPr>
+      <p:sp>
+        <p:nvSpPr>
+          <p:cNvPr id="154" name="Google Shape;154;p10:notes"/>
+          <p:cNvSpPr txBox="1">
+            <a:spLocks noGrp="1"/>
+          </p:cNvSpPr>
+          <p:nvPr>
+            <p:ph type="body" idx="1"/>
+          </p:nvPr>
+        </p:nvSpPr>
+        <p:spPr>
+          <a:xfrm>
+            <a:off x="685800" y="4343400"/>
+            <a:ext cx="5486400" cy="4114800"/>
+          </a:xfrm>
+          <a:prstGeom prst="rect">
+            <a:avLst/>
+          </a:prstGeom>
+        </p:spPr>
+        <p:txBody>
+          <a:bodyPr spcFirstLastPara="1" wrap="square" lIns="91425" tIns="91425" rIns="91425" bIns="91425" anchor="t" anchorCtr="0">
+            <a:noAutofit/>
+          </a:bodyPr>
+          <a:lstStyle/>
+          <a:p>
+            <a:pPr marL="0" lvl="0" indent="0" algn="l" rtl="0">
+              <a:spcBef>
+                <a:spcPts val="0"/>
+              </a:spcBef>
+              <a:spcAft>
+                <a:spcPts val="0"/>
+              </a:spcAft>
+              <a:buNone/>
+            </a:pPr>
+            <a:endParaRPr/>
+          </a:p>
+        </p:txBody>
+      </p:sp>
+      <p:sp>
+        <p:nvSpPr>
+          <p:cNvPr id="155" name="Google Shape;155;p10:notes"/>
+          <p:cNvSpPr>
+            <a:spLocks noGrp="1" noRot="1" noChangeAspect="1"/>
+          </p:cNvSpPr>
+          <p:nvPr>
+            <p:ph type="sldImg" idx="2"/>
+          </p:nvPr>
+        </p:nvSpPr>
+        <p:spPr>
+          <a:xfrm>
+            <a:off x="1143225" y="685800"/>
+            <a:ext cx="4572225" cy="3429000"/>
+          </a:xfrm>
+          <a:custGeom>
+            <a:avLst/>
+            <a:gdLst/>
+            <a:ahLst/>
+            <a:cxnLst/>
+            <a:rect l="l" t="t" r="r" b="b"/>
+            <a:pathLst>
+              <a:path w="120000" h="120000" extrusionOk="0">
+                <a:moveTo>
+                  <a:pt x="0" y="0"/>
+                </a:moveTo>
+                <a:lnTo>
+                  <a:pt x="120000" y="0"/>
+                </a:lnTo>
+                <a:lnTo>
+                  <a:pt x="120000" y="120000"/>
+                </a:lnTo>
+                <a:lnTo>
+                  <a:pt x="0" y="120000"/>
+                </a:lnTo>
+                <a:close/>
+              </a:path>
+            </a:pathLst>
+          </a:custGeom>
+        </p:spPr>
+      </p:sp>
+    </p:spTree>
+  </p:cSld>
+  <p:clrMapOvr>
+    <a:masterClrMapping/>
+  </p:clrMapOvr>
+</p:notes>
+</file>
+
 <file path=ppt/notesSlides/notesSlide2.xml><?xml version="1.0" encoding="utf-8"?>
 <p:notes xmlns:a="http://schemas.openxmlformats.org/drawingml/2006/main" xmlns:r="http://schemas.openxmlformats.org/officeDocument/2006/relationships" xmlns:p="http://schemas.openxmlformats.org/presentationml/2006/main" showMasterSp="0" showMasterPhAnim="0">
   <p:cSld>
@@ -1036,8 +1969,8 @@
         </p:nvSpPr>
         <p:spPr>
           <a:xfrm>
-            <a:off x="1143225" y="685800"/>
-            <a:ext cx="4572225" cy="3429000"/>
+            <a:off x="1143000" y="685800"/>
+            <a:ext cx="4572000" cy="3429000"/>
           </a:xfrm>
           <a:custGeom>
             <a:avLst/>
@@ -1286,6 +2219,115 @@
   <p:cSld>
     <p:spTree>
       <p:nvGrpSpPr>
+        <p:cNvPr id="1" name="Shape 117"/>
+        <p:cNvGrpSpPr/>
+        <p:nvPr/>
+      </p:nvGrpSpPr>
+      <p:grpSpPr>
+        <a:xfrm>
+          <a:off x="0" y="0"/>
+          <a:ext cx="0" cy="0"/>
+          <a:chOff x="0" y="0"/>
+          <a:chExt cx="0" cy="0"/>
+        </a:xfrm>
+      </p:grpSpPr>
+      <p:sp>
+        <p:nvSpPr>
+          <p:cNvPr id="118" name="Google Shape;118;p5:notes"/>
+          <p:cNvSpPr txBox="1">
+            <a:spLocks noGrp="1"/>
+          </p:cNvSpPr>
+          <p:nvPr>
+            <p:ph type="body" idx="1"/>
+          </p:nvPr>
+        </p:nvSpPr>
+        <p:spPr>
+          <a:xfrm>
+            <a:off x="685800" y="4343400"/>
+            <a:ext cx="5486400" cy="4114800"/>
+          </a:xfrm>
+          <a:prstGeom prst="rect">
+            <a:avLst/>
+          </a:prstGeom>
+        </p:spPr>
+        <p:txBody>
+          <a:bodyPr spcFirstLastPara="1" wrap="square" lIns="91425" tIns="91425" rIns="91425" bIns="91425" anchor="t" anchorCtr="0">
+            <a:noAutofit/>
+          </a:bodyPr>
+          <a:lstStyle/>
+          <a:p>
+            <a:pPr marL="0" lvl="0" indent="0" algn="l" rtl="0">
+              <a:spcBef>
+                <a:spcPts val="0"/>
+              </a:spcBef>
+              <a:spcAft>
+                <a:spcPts val="0"/>
+              </a:spcAft>
+              <a:buNone/>
+            </a:pPr>
+            <a:endParaRPr/>
+          </a:p>
+        </p:txBody>
+      </p:sp>
+      <p:sp>
+        <p:nvSpPr>
+          <p:cNvPr id="119" name="Google Shape;119;p5:notes"/>
+          <p:cNvSpPr>
+            <a:spLocks noGrp="1" noRot="1" noChangeAspect="1"/>
+          </p:cNvSpPr>
+          <p:nvPr>
+            <p:ph type="sldImg" idx="2"/>
+          </p:nvPr>
+        </p:nvSpPr>
+        <p:spPr>
+          <a:xfrm>
+            <a:off x="1143000" y="685800"/>
+            <a:ext cx="4572000" cy="3429000"/>
+          </a:xfrm>
+          <a:custGeom>
+            <a:avLst/>
+            <a:gdLst/>
+            <a:ahLst/>
+            <a:cxnLst/>
+            <a:rect l="l" t="t" r="r" b="b"/>
+            <a:pathLst>
+              <a:path w="120000" h="120000" extrusionOk="0">
+                <a:moveTo>
+                  <a:pt x="0" y="0"/>
+                </a:moveTo>
+                <a:lnTo>
+                  <a:pt x="120000" y="0"/>
+                </a:lnTo>
+                <a:lnTo>
+                  <a:pt x="120000" y="120000"/>
+                </a:lnTo>
+                <a:lnTo>
+                  <a:pt x="0" y="120000"/>
+                </a:lnTo>
+                <a:close/>
+              </a:path>
+            </a:pathLst>
+          </a:custGeom>
+        </p:spPr>
+      </p:sp>
+    </p:spTree>
+    <p:extLst>
+      <p:ext uri="{BB962C8B-B14F-4D97-AF65-F5344CB8AC3E}">
+        <p14:creationId xmlns:p14="http://schemas.microsoft.com/office/powerpoint/2010/main" val="3304875980"/>
+      </p:ext>
+    </p:extLst>
+  </p:cSld>
+  <p:clrMapOvr>
+    <a:masterClrMapping/>
+  </p:clrMapOvr>
+</p:notes>
+</file>
+
+<file path=ppt/notesSlides/notesSlide7.xml><?xml version="1.0" encoding="utf-8"?>
+<p:notes xmlns:a="http://schemas.openxmlformats.org/drawingml/2006/main" xmlns:r="http://schemas.openxmlformats.org/officeDocument/2006/relationships" xmlns:p="http://schemas.openxmlformats.org/presentationml/2006/main" showMasterSp="0" showMasterPhAnim="0">
+  <p:cSld>
+    <p:spTree>
+      <p:nvGrpSpPr>
         <p:cNvPr id="1" name="Shape 125"/>
         <p:cNvGrpSpPr/>
         <p:nvPr/>
@@ -1348,8 +2390,8 @@
         </p:nvSpPr>
         <p:spPr>
           <a:xfrm>
-            <a:off x="1143225" y="685800"/>
-            <a:ext cx="4572225" cy="3429000"/>
+            <a:off x="1143000" y="685800"/>
+            <a:ext cx="4572000" cy="3429000"/>
           </a:xfrm>
           <a:custGeom>
             <a:avLst/>
@@ -1385,7 +2427,7 @@
 </p:notes>
 </file>
 
-<file path=ppt/notesSlides/notesSlide7.xml><?xml version="1.0" encoding="utf-8"?>
+<file path=ppt/notesSlides/notesSlide8.xml><?xml version="1.0" encoding="utf-8"?>
 <p:notes xmlns:a="http://schemas.openxmlformats.org/drawingml/2006/main" xmlns:r="http://schemas.openxmlformats.org/officeDocument/2006/relationships" xmlns:p="http://schemas.openxmlformats.org/presentationml/2006/main" showMasterSp="0" showMasterPhAnim="0">
   <p:cSld>
     <p:spTree>
@@ -1443,110 +2485,6 @@
       <p:sp>
         <p:nvSpPr>
           <p:cNvPr id="136" name="Google Shape;136;p7:notes"/>
-          <p:cNvSpPr>
-            <a:spLocks noGrp="1" noRot="1" noChangeAspect="1"/>
-          </p:cNvSpPr>
-          <p:nvPr>
-            <p:ph type="sldImg" idx="2"/>
-          </p:nvPr>
-        </p:nvSpPr>
-        <p:spPr>
-          <a:xfrm>
-            <a:off x="1143225" y="685800"/>
-            <a:ext cx="4572225" cy="3429000"/>
-          </a:xfrm>
-          <a:custGeom>
-            <a:avLst/>
-            <a:gdLst/>
-            <a:ahLst/>
-            <a:cxnLst/>
-            <a:rect l="l" t="t" r="r" b="b"/>
-            <a:pathLst>
-              <a:path w="120000" h="120000" extrusionOk="0">
-                <a:moveTo>
-                  <a:pt x="0" y="0"/>
-                </a:moveTo>
-                <a:lnTo>
-                  <a:pt x="120000" y="0"/>
-                </a:lnTo>
-                <a:lnTo>
-                  <a:pt x="120000" y="120000"/>
-                </a:lnTo>
-                <a:lnTo>
-                  <a:pt x="0" y="120000"/>
-                </a:lnTo>
-                <a:close/>
-              </a:path>
-            </a:pathLst>
-          </a:custGeom>
-        </p:spPr>
-      </p:sp>
-    </p:spTree>
-  </p:cSld>
-  <p:clrMapOvr>
-    <a:masterClrMapping/>
-  </p:clrMapOvr>
-</p:notes>
-</file>
-
-<file path=ppt/notesSlides/notesSlide8.xml><?xml version="1.0" encoding="utf-8"?>
-<p:notes xmlns:a="http://schemas.openxmlformats.org/drawingml/2006/main" xmlns:r="http://schemas.openxmlformats.org/officeDocument/2006/relationships" xmlns:p="http://schemas.openxmlformats.org/presentationml/2006/main" showMasterSp="0" showMasterPhAnim="0">
-  <p:cSld>
-    <p:spTree>
-      <p:nvGrpSpPr>
-        <p:cNvPr id="1" name="Shape 146"/>
-        <p:cNvGrpSpPr/>
-        <p:nvPr/>
-      </p:nvGrpSpPr>
-      <p:grpSpPr>
-        <a:xfrm>
-          <a:off x="0" y="0"/>
-          <a:ext cx="0" cy="0"/>
-          <a:chOff x="0" y="0"/>
-          <a:chExt cx="0" cy="0"/>
-        </a:xfrm>
-      </p:grpSpPr>
-      <p:sp>
-        <p:nvSpPr>
-          <p:cNvPr id="147" name="Google Shape;147;p8:notes"/>
-          <p:cNvSpPr txBox="1">
-            <a:spLocks noGrp="1"/>
-          </p:cNvSpPr>
-          <p:nvPr>
-            <p:ph type="body" idx="1"/>
-          </p:nvPr>
-        </p:nvSpPr>
-        <p:spPr>
-          <a:xfrm>
-            <a:off x="685800" y="4343400"/>
-            <a:ext cx="5486400" cy="4114800"/>
-          </a:xfrm>
-          <a:prstGeom prst="rect">
-            <a:avLst/>
-          </a:prstGeom>
-        </p:spPr>
-        <p:txBody>
-          <a:bodyPr spcFirstLastPara="1" wrap="square" lIns="91425" tIns="91425" rIns="91425" bIns="91425" anchor="t" anchorCtr="0">
-            <a:noAutofit/>
-          </a:bodyPr>
-          <a:lstStyle/>
-          <a:p>
-            <a:pPr marL="0" lvl="0" indent="0" algn="l" rtl="0">
-              <a:spcBef>
-                <a:spcPts val="0"/>
-              </a:spcBef>
-              <a:spcAft>
-                <a:spcPts val="0"/>
-              </a:spcAft>
-              <a:buNone/>
-            </a:pPr>
-            <a:endParaRPr/>
-          </a:p>
-        </p:txBody>
-      </p:sp>
-      <p:sp>
-        <p:nvSpPr>
-          <p:cNvPr id="148" name="Google Shape;148;p8:notes"/>
           <p:cNvSpPr>
             <a:spLocks noGrp="1" noRot="1" noChangeAspect="1"/>
           </p:cNvSpPr>
@@ -1598,7 +2536,7 @@
   <p:cSld>
     <p:spTree>
       <p:nvGrpSpPr>
-        <p:cNvPr id="1" name="Shape 153"/>
+        <p:cNvPr id="1" name="Shape 146"/>
         <p:cNvGrpSpPr/>
         <p:nvPr/>
       </p:nvGrpSpPr>
@@ -1612,7 +2550,7 @@
       </p:grpSpPr>
       <p:sp>
         <p:nvSpPr>
-          <p:cNvPr id="154" name="Google Shape;154;p10:notes"/>
+          <p:cNvPr id="147" name="Google Shape;147;p8:notes"/>
           <p:cNvSpPr txBox="1">
             <a:spLocks noGrp="1"/>
           </p:cNvSpPr>
@@ -1650,7 +2588,7 @@
       </p:sp>
       <p:sp>
         <p:nvSpPr>
-          <p:cNvPr id="155" name="Google Shape;155;p10:notes"/>
+          <p:cNvPr id="148" name="Google Shape;148;p8:notes"/>
           <p:cNvSpPr>
             <a:spLocks noGrp="1" noRot="1" noChangeAspect="1"/>
           </p:cNvSpPr>
@@ -1660,8 +2598,8 @@
         </p:nvSpPr>
         <p:spPr>
           <a:xfrm>
-            <a:off x="1143225" y="685800"/>
-            <a:ext cx="4572225" cy="3429000"/>
+            <a:off x="1143000" y="685800"/>
+            <a:ext cx="4572000" cy="3429000"/>
           </a:xfrm>
           <a:custGeom>
             <a:avLst/>
@@ -8978,6 +9916,100 @@
 </p:sld>
 </file>
 
+<file path=ppt/slides/slide10.xml><?xml version="1.0" encoding="utf-8"?>
+<p:sld xmlns:a="http://schemas.openxmlformats.org/drawingml/2006/main" xmlns:r="http://schemas.openxmlformats.org/officeDocument/2006/relationships" xmlns:p="http://schemas.openxmlformats.org/presentationml/2006/main">
+  <p:cSld>
+    <p:spTree>
+      <p:nvGrpSpPr>
+        <p:cNvPr id="1" name="Shape 156"/>
+        <p:cNvGrpSpPr/>
+        <p:nvPr/>
+      </p:nvGrpSpPr>
+      <p:grpSpPr>
+        <a:xfrm>
+          <a:off x="0" y="0"/>
+          <a:ext cx="0" cy="0"/>
+          <a:chOff x="0" y="0"/>
+          <a:chExt cx="0" cy="0"/>
+        </a:xfrm>
+      </p:grpSpPr>
+      <p:pic>
+        <p:nvPicPr>
+          <p:cNvPr id="157" name="Google Shape;157;p10"/>
+          <p:cNvPicPr preferRelativeResize="0"/>
+          <p:nvPr/>
+        </p:nvPicPr>
+        <p:blipFill rotWithShape="1">
+          <a:blip r:embed="rId3">
+            <a:alphaModFix/>
+          </a:blip>
+          <a:srcRect/>
+          <a:stretch/>
+        </p:blipFill>
+        <p:spPr>
+          <a:xfrm>
+            <a:off x="8063805" y="188640"/>
+            <a:ext cx="828675" cy="819150"/>
+          </a:xfrm>
+          <a:prstGeom prst="rect">
+            <a:avLst/>
+          </a:prstGeom>
+          <a:noFill/>
+          <a:ln>
+            <a:noFill/>
+          </a:ln>
+        </p:spPr>
+      </p:pic>
+      <p:sp>
+        <p:nvSpPr>
+          <p:cNvPr id="158" name="Google Shape;158;p10"/>
+          <p:cNvSpPr txBox="1">
+            <a:spLocks noGrp="1"/>
+          </p:cNvSpPr>
+          <p:nvPr>
+            <p:ph type="title"/>
+          </p:nvPr>
+        </p:nvSpPr>
+        <p:spPr>
+          <a:xfrm>
+            <a:off x="729450" y="1763300"/>
+            <a:ext cx="7688400" cy="2385600"/>
+          </a:xfrm>
+          <a:prstGeom prst="rect">
+            <a:avLst/>
+          </a:prstGeom>
+        </p:spPr>
+        <p:txBody>
+          <a:bodyPr spcFirstLastPara="1" wrap="square" lIns="91425" tIns="91425" rIns="91425" bIns="91425" anchor="t" anchorCtr="0">
+            <a:normAutofit/>
+          </a:bodyPr>
+          <a:lstStyle/>
+          <a:p>
+            <a:pPr marL="0" lvl="0" indent="0" algn="l" rtl="0">
+              <a:spcBef>
+                <a:spcPts val="0"/>
+              </a:spcBef>
+              <a:spcAft>
+                <a:spcPts val="0"/>
+              </a:spcAft>
+              <a:buNone/>
+            </a:pPr>
+            <a:r>
+              <a:rPr lang="en-US"/>
+              <a:t>THANK YOU</a:t>
+            </a:r>
+            <a:endParaRPr/>
+          </a:p>
+        </p:txBody>
+      </p:sp>
+    </p:spTree>
+  </p:cSld>
+  <p:clrMapOvr>
+    <a:masterClrMapping/>
+  </p:clrMapOvr>
+</p:sld>
+</file>
+
 <file path=ppt/slides/slide2.xml><?xml version="1.0" encoding="utf-8"?>
 <p:sld xmlns:a="http://schemas.openxmlformats.org/drawingml/2006/main" xmlns:r="http://schemas.openxmlformats.org/officeDocument/2006/relationships" xmlns:p="http://schemas.openxmlformats.org/presentationml/2006/main">
   <p:cSld>
@@ -9270,7 +10302,7 @@
                 <a:cs typeface="Roboto Mono"/>
                 <a:sym typeface="Roboto Mono"/>
               </a:rPr>
-              <a:t>-1 : Phishing (56%)</a:t>
+              <a:t>-1 : Phishing</a:t>
             </a:r>
             <a:endParaRPr sz="1300" dirty="0">
               <a:latin typeface="Roboto Mono"/>
@@ -9298,7 +10330,7 @@
                 <a:cs typeface="Roboto Mono"/>
                 <a:sym typeface="Roboto Mono"/>
               </a:rPr>
-              <a:t>1 : Legitimate (44%)</a:t>
+              <a:t>1 : Legitimate</a:t>
             </a:r>
             <a:endParaRPr sz="1300" dirty="0">
               <a:latin typeface="Roboto Mono"/>
@@ -9452,7 +10484,7 @@
               <a:buNone/>
             </a:pPr>
             <a:r>
-              <a:rPr lang="en-US" sz="2400">
+              <a:rPr lang="en-US" sz="2400" dirty="0">
                 <a:solidFill>
                   <a:schemeClr val="dk1"/>
                 </a:solidFill>
@@ -9463,7 +10495,7 @@
               </a:rPr>
               <a:t>Solution proposed and description:</a:t>
             </a:r>
-            <a:endParaRPr/>
+            <a:endParaRPr dirty="0"/>
           </a:p>
         </p:txBody>
       </p:sp>
@@ -9479,8 +10511,8 @@
         </p:nvSpPr>
         <p:spPr>
           <a:xfrm>
-            <a:off x="4674700" y="1803500"/>
-            <a:ext cx="4186500" cy="4465200"/>
+            <a:off x="4674700" y="1351722"/>
+            <a:ext cx="4186500" cy="4916978"/>
           </a:xfrm>
           <a:prstGeom prst="rect">
             <a:avLst/>
@@ -9520,7 +10552,31 @@
             </a:r>
             <a:r>
               <a:rPr lang="en-US" sz="1900" dirty="0"/>
-              <a:t> which is good for us.</a:t>
+              <a:t> which is good for us. </a:t>
+            </a:r>
+          </a:p>
+          <a:p>
+            <a:pPr marL="457200" lvl="0" indent="-349250" algn="l" rtl="0">
+              <a:spcBef>
+                <a:spcPts val="0"/>
+              </a:spcBef>
+              <a:spcAft>
+                <a:spcPts val="0"/>
+              </a:spcAft>
+              <a:buSzPts val="1900"/>
+              <a:buChar char="●"/>
+            </a:pPr>
+            <a:r>
+              <a:rPr lang="en-US" sz="1900" dirty="0"/>
+              <a:t>After </a:t>
+            </a:r>
+            <a:r>
+              <a:rPr lang="en-US" sz="1900" b="1" dirty="0"/>
+              <a:t>dropping duplicate </a:t>
+            </a:r>
+            <a:r>
+              <a:rPr lang="en-US" sz="1900" dirty="0"/>
+              <a:t>records, we have 5000 records</a:t>
             </a:r>
             <a:endParaRPr sz="1900" dirty="0"/>
           </a:p>
@@ -9566,7 +10622,15 @@
             </a:r>
             <a:r>
               <a:rPr lang="en-US" sz="1900" dirty="0"/>
-              <a:t> in nature.</a:t>
+              <a:t> in nature. We</a:t>
+            </a:r>
+            <a:r>
+              <a:rPr lang="en-US" sz="1900" b="1" dirty="0"/>
+              <a:t> dropped `key`</a:t>
+            </a:r>
+            <a:r>
+              <a:rPr lang="en-US" sz="1900" dirty="0"/>
+              <a:t> variable</a:t>
             </a:r>
             <a:endParaRPr sz="1900" dirty="0"/>
           </a:p>
@@ -9622,34 +10686,34 @@
           </a:p>
         </p:txBody>
       </p:sp>
-      <p:pic>
-        <p:nvPicPr>
-          <p:cNvPr id="109" name="Google Shape;109;p3" title="Points scored"/>
-          <p:cNvPicPr preferRelativeResize="0"/>
-          <p:nvPr/>
-        </p:nvPicPr>
-        <p:blipFill>
-          <a:blip r:embed="rId4">
-            <a:alphaModFix/>
-          </a:blip>
-          <a:stretch>
-            <a:fillRect/>
-          </a:stretch>
-        </p:blipFill>
-        <p:spPr>
-          <a:xfrm>
-            <a:off x="89813" y="3777277"/>
-            <a:ext cx="4354572" cy="2692575"/>
-          </a:xfrm>
-          <a:prstGeom prst="rect">
-            <a:avLst/>
-          </a:prstGeom>
-          <a:noFill/>
-          <a:ln>
-            <a:noFill/>
-          </a:ln>
-        </p:spPr>
-      </p:pic>
+      <p:graphicFrame>
+        <p:nvGraphicFramePr>
+          <p:cNvPr id="4" name="Chart 3">
+            <a:extLst>
+              <a:ext uri="{FF2B5EF4-FFF2-40B4-BE49-F238E27FC236}">
+                <a16:creationId xmlns:a16="http://schemas.microsoft.com/office/drawing/2014/main" id="{B9C0D222-0C9D-4CD2-81C9-476569B3C75B}"/>
+              </a:ext>
+            </a:extLst>
+          </p:cNvPr>
+          <p:cNvGraphicFramePr/>
+          <p:nvPr>
+            <p:extLst>
+              <p:ext uri="{D42A27DB-BD31-4B8C-83A1-F6EECF244321}">
+                <p14:modId xmlns:p14="http://schemas.microsoft.com/office/powerpoint/2010/main" val="3993196675"/>
+              </p:ext>
+            </p:extLst>
+          </p:nvPr>
+        </p:nvGraphicFramePr>
+        <p:xfrm>
+          <a:off x="805100" y="3299791"/>
+          <a:ext cx="3150700" cy="2817191"/>
+        </p:xfrm>
+        <a:graphic>
+          <a:graphicData uri="http://schemas.openxmlformats.org/drawingml/2006/chart">
+            <c:chart xmlns:c="http://schemas.openxmlformats.org/drawingml/2006/chart" xmlns:r="http://schemas.openxmlformats.org/officeDocument/2006/relationships" r:id="rId4"/>
+          </a:graphicData>
+        </a:graphic>
+      </p:graphicFrame>
     </p:spTree>
   </p:cSld>
   <p:clrMapOvr>
@@ -9909,6 +10973,29 @@
               <a:rPr lang="en-US" dirty="0"/>
               <a:t> 1.1.0</a:t>
             </a:r>
+          </a:p>
+          <a:p>
+            <a:pPr marL="0" lvl="0" indent="0" algn="l" rtl="0">
+              <a:spcBef>
+                <a:spcPts val="1200"/>
+              </a:spcBef>
+              <a:spcAft>
+                <a:spcPts val="0"/>
+              </a:spcAft>
+              <a:buNone/>
+            </a:pPr>
+            <a:r>
+              <a:rPr lang="en-US" b="1" dirty="0"/>
+              <a:t>Algorithms:</a:t>
+            </a:r>
+            <a:r>
+              <a:rPr lang="en-US" dirty="0"/>
+              <a:t> Logistic Regression, Decision Tree, Random Forest, </a:t>
+            </a:r>
+            <a:r>
+              <a:rPr lang="en-US" dirty="0" err="1"/>
+              <a:t>XGBoost</a:t>
+            </a:r>
             <a:endParaRPr dirty="0"/>
           </a:p>
           <a:p>
@@ -10100,8 +11187,8 @@
         </p:nvSpPr>
         <p:spPr>
           <a:xfrm>
-            <a:off x="729450" y="2732475"/>
-            <a:ext cx="7688700" cy="3054000"/>
+            <a:off x="729450" y="2471900"/>
+            <a:ext cx="7688700" cy="3314575"/>
           </a:xfrm>
           <a:prstGeom prst="rect">
             <a:avLst/>
@@ -10113,7 +11200,7 @@
           </a:bodyPr>
           <a:lstStyle/>
           <a:p>
-            <a:pPr marL="0" lvl="0" indent="0" algn="l" rtl="0">
+            <a:pPr marL="0" lvl="0" indent="0" algn="just" rtl="0">
               <a:lnSpc>
                 <a:spcPct val="95000"/>
               </a:lnSpc>
@@ -10132,7 +11219,7 @@
             <a:endParaRPr sz="1500" b="1" dirty="0"/>
           </a:p>
           <a:p>
-            <a:pPr marL="457200" lvl="0" indent="-323850" algn="l" rtl="0">
+            <a:pPr marL="457200" lvl="0" indent="-323850" algn="just" rtl="0">
               <a:lnSpc>
                 <a:spcPct val="95000"/>
               </a:lnSpc>
@@ -10168,7 +11255,7 @@
             <a:endParaRPr sz="1500" dirty="0"/>
           </a:p>
           <a:p>
-            <a:pPr marL="457200" lvl="0" indent="-323850" algn="l" rtl="0">
+            <a:pPr marL="457200" lvl="0" indent="-323850" algn="just" rtl="0">
               <a:lnSpc>
                 <a:spcPct val="95000"/>
               </a:lnSpc>
@@ -10196,7 +11283,7 @@
             <a:endParaRPr sz="1500" dirty="0"/>
           </a:p>
           <a:p>
-            <a:pPr marL="0" lvl="0" indent="0" algn="l" rtl="0">
+            <a:pPr marL="0" lvl="0" indent="0" algn="just" rtl="0">
               <a:lnSpc>
                 <a:spcPct val="95000"/>
               </a:lnSpc>
@@ -10212,10 +11299,9 @@
               <a:rPr lang="en-US" sz="1500" b="1" dirty="0"/>
               <a:t>Model:</a:t>
             </a:r>
-            <a:endParaRPr sz="1500" b="1" dirty="0"/>
           </a:p>
           <a:p>
-            <a:pPr marL="457200" lvl="0" indent="-323850" algn="l" rtl="0">
+            <a:pPr marL="457200" lvl="0" indent="-323850" algn="just" rtl="0">
               <a:lnSpc>
                 <a:spcPct val="95000"/>
               </a:lnSpc>
@@ -10251,7 +11337,7 @@
             <a:endParaRPr sz="1500" dirty="0"/>
           </a:p>
           <a:p>
-            <a:pPr marL="457200" lvl="0" indent="-323850" algn="l" rtl="0">
+            <a:pPr marL="457200" lvl="0" indent="-323850" algn="just" rtl="0">
               <a:lnSpc>
                 <a:spcPct val="95000"/>
               </a:lnSpc>
@@ -10266,12 +11352,12 @@
             </a:pPr>
             <a:r>
               <a:rPr lang="en-US" sz="1500" dirty="0"/>
-              <a:t>We used 11 folds cross-validation. As we have almost 9000 data,  each fold is having 800 samples for validation</a:t>
+              <a:t>We used 5 folds cross-validation. As we have almost 5000 data,  each fold is having 1000 samples for validation</a:t>
             </a:r>
             <a:endParaRPr sz="1500" dirty="0"/>
           </a:p>
           <a:p>
-            <a:pPr marL="457200" lvl="0" indent="-323850" algn="l" rtl="0">
+            <a:pPr marL="457200" lvl="0" indent="-323850" algn="just" rtl="0">
               <a:lnSpc>
                 <a:spcPct val="95000"/>
               </a:lnSpc>
@@ -10286,20 +11372,28 @@
             </a:pPr>
             <a:r>
               <a:rPr lang="en-US" sz="1500" dirty="0"/>
-              <a:t>Later we have chosen </a:t>
+              <a:t>Later we have experimented with </a:t>
             </a:r>
             <a:r>
               <a:rPr lang="en-US" sz="1500" b="1" dirty="0"/>
-              <a:t>Decision Tree </a:t>
+              <a:t>Decision Tree, Random Forest and </a:t>
+            </a:r>
+            <a:r>
+              <a:rPr lang="en-US" sz="1500" b="1" dirty="0" err="1"/>
+              <a:t>XGBoost</a:t>
+            </a:r>
+            <a:r>
+              <a:rPr lang="en-US" sz="1500" b="1" dirty="0"/>
+              <a:t> </a:t>
             </a:r>
             <a:r>
               <a:rPr lang="en-US" sz="1500" dirty="0"/>
-              <a:t>model for better and reliable result. </a:t>
+              <a:t>models for better and reliable result. </a:t>
             </a:r>
             <a:endParaRPr sz="1500" dirty="0"/>
           </a:p>
           <a:p>
-            <a:pPr marL="457200" lvl="0" indent="-323850" algn="l" rtl="0">
+            <a:pPr marL="457200" lvl="0" indent="-323850" algn="just" rtl="0">
               <a:lnSpc>
                 <a:spcPct val="95000"/>
               </a:lnSpc>
@@ -10330,12 +11424,11 @@
             </a:r>
             <a:r>
               <a:rPr lang="en-US" sz="1500" dirty="0"/>
-              <a:t> to find our best decision tree.</a:t>
+              <a:t> to all the variants.</a:t>
             </a:r>
-            <a:endParaRPr sz="1500" dirty="0"/>
           </a:p>
           <a:p>
-            <a:pPr marL="457200" lvl="0" indent="-323850" algn="l" rtl="0">
+            <a:pPr marL="457200" lvl="0" indent="-323850" algn="just" rtl="0">
               <a:lnSpc>
                 <a:spcPct val="95000"/>
               </a:lnSpc>
@@ -10350,60 +11443,20 @@
             </a:pPr>
             <a:r>
               <a:rPr lang="en-US" sz="1500" dirty="0"/>
-              <a:t>We have saved our best decision tree </a:t>
+              <a:t>We have chosen </a:t>
             </a:r>
             <a:r>
-              <a:rPr lang="en-US" sz="1500" dirty="0">
-                <a:solidFill>
-                  <a:srgbClr val="0000FF"/>
-                </a:solidFill>
-              </a:rPr>
-              <a:t>model as </a:t>
-            </a:r>
-            <a:r>
-              <a:rPr lang="en-US" sz="1500" dirty="0">
-                <a:solidFill>
-                  <a:srgbClr val="0000FF"/>
-                </a:solidFill>
-                <a:latin typeface="Roboto Mono SemiBold"/>
-                <a:ea typeface="Roboto Mono SemiBold"/>
-                <a:cs typeface="Roboto Mono SemiBold"/>
-                <a:sym typeface="Roboto Mono SemiBold"/>
-              </a:rPr>
-              <a:t>dt6.joblib</a:t>
+              <a:rPr lang="en-US" sz="1500" b="1" dirty="0"/>
+              <a:t>Random Forest Classifier</a:t>
             </a:r>
             <a:r>
               <a:rPr lang="en-US" sz="1500" dirty="0"/>
-              <a:t> file and</a:t>
-            </a:r>
-            <a:r>
-              <a:rPr lang="en-US" sz="1500" dirty="0">
-                <a:solidFill>
-                  <a:srgbClr val="0000FF"/>
-                </a:solidFill>
-              </a:rPr>
-              <a:t> feature encoder object as </a:t>
-            </a:r>
-            <a:r>
-              <a:rPr lang="en-US" sz="1500" b="1" dirty="0" err="1">
-                <a:solidFill>
-                  <a:srgbClr val="0000FF"/>
-                </a:solidFill>
-                <a:latin typeface="Roboto Mono"/>
-                <a:ea typeface="Roboto Mono"/>
-                <a:cs typeface="Roboto Mono"/>
-                <a:sym typeface="Roboto Mono"/>
-              </a:rPr>
-              <a:t>enc.joblib</a:t>
-            </a:r>
-            <a:r>
-              <a:rPr lang="en-US" sz="1500" dirty="0"/>
-              <a:t> file.</a:t>
+              <a:t> as our final model</a:t>
             </a:r>
             <a:endParaRPr sz="1500" dirty="0"/>
           </a:p>
           <a:p>
-            <a:pPr marL="0" lvl="0" indent="0" algn="l" rtl="0">
+            <a:pPr marL="0" lvl="0" indent="0" algn="just" rtl="0">
               <a:lnSpc>
                 <a:spcPct val="95000"/>
               </a:lnSpc>
@@ -10416,6 +11469,41 @@
               <a:buNone/>
             </a:pPr>
             <a:endParaRPr sz="1500" dirty="0"/>
+          </a:p>
+        </p:txBody>
+      </p:sp>
+      <p:sp>
+        <p:nvSpPr>
+          <p:cNvPr id="2" name="TextBox 1">
+            <a:extLst>
+              <a:ext uri="{FF2B5EF4-FFF2-40B4-BE49-F238E27FC236}">
+                <a16:creationId xmlns:a16="http://schemas.microsoft.com/office/drawing/2014/main" id="{31A00846-2874-44EC-9DF0-A86067F51E0F}"/>
+              </a:ext>
+            </a:extLst>
+          </p:cNvPr>
+          <p:cNvSpPr txBox="1"/>
+          <p:nvPr/>
+        </p:nvSpPr>
+        <p:spPr>
+          <a:xfrm>
+            <a:off x="6679096" y="6221896"/>
+            <a:ext cx="1739054" cy="307777"/>
+          </a:xfrm>
+          <a:prstGeom prst="rect">
+            <a:avLst/>
+          </a:prstGeom>
+          <a:noFill/>
+        </p:spPr>
+        <p:txBody>
+          <a:bodyPr wrap="square" rtlCol="0">
+            <a:spAutoFit/>
+          </a:bodyPr>
+          <a:lstStyle/>
+          <a:p>
+            <a:r>
+              <a:rPr lang="en-US" b="1" dirty="0"/>
+              <a:t>Continue…</a:t>
+            </a:r>
           </a:p>
         </p:txBody>
       </p:sp>
@@ -10428,6 +11516,453 @@
 </file>
 
 <file path=ppt/slides/slide6.xml><?xml version="1.0" encoding="utf-8"?>
+<p:sld xmlns:a="http://schemas.openxmlformats.org/drawingml/2006/main" xmlns:r="http://schemas.openxmlformats.org/officeDocument/2006/relationships" xmlns:p="http://schemas.openxmlformats.org/presentationml/2006/main">
+  <p:cSld>
+    <p:spTree>
+      <p:nvGrpSpPr>
+        <p:cNvPr id="1" name="Shape 120"/>
+        <p:cNvGrpSpPr/>
+        <p:nvPr/>
+      </p:nvGrpSpPr>
+      <p:grpSpPr>
+        <a:xfrm>
+          <a:off x="0" y="0"/>
+          <a:ext cx="0" cy="0"/>
+          <a:chOff x="0" y="0"/>
+          <a:chExt cx="0" cy="0"/>
+        </a:xfrm>
+      </p:grpSpPr>
+      <p:sp>
+        <p:nvSpPr>
+          <p:cNvPr id="121" name="Google Shape;121;p5"/>
+          <p:cNvSpPr txBox="1"/>
+          <p:nvPr/>
+        </p:nvSpPr>
+        <p:spPr>
+          <a:xfrm>
+            <a:off x="251520" y="4728508"/>
+            <a:ext cx="8520600" cy="572700"/>
+          </a:xfrm>
+          <a:prstGeom prst="rect">
+            <a:avLst/>
+          </a:prstGeom>
+          <a:noFill/>
+          <a:ln>
+            <a:noFill/>
+          </a:ln>
+        </p:spPr>
+        <p:txBody>
+          <a:bodyPr spcFirstLastPara="1" wrap="square" lIns="91425" tIns="91425" rIns="91425" bIns="91425" anchor="t" anchorCtr="0">
+            <a:normAutofit fontScale="67500" lnSpcReduction="20000"/>
+          </a:bodyPr>
+          <a:lstStyle/>
+          <a:p>
+            <a:pPr marL="0" marR="0" lvl="0" indent="0" algn="l" rtl="0">
+              <a:lnSpc>
+                <a:spcPct val="100000"/>
+              </a:lnSpc>
+              <a:spcBef>
+                <a:spcPts val="0"/>
+              </a:spcBef>
+              <a:spcAft>
+                <a:spcPts val="0"/>
+              </a:spcAft>
+              <a:buClr>
+                <a:schemeClr val="dk1"/>
+              </a:buClr>
+              <a:buSzPct val="100000"/>
+              <a:buFont typeface="Calibri"/>
+              <a:buNone/>
+            </a:pPr>
+            <a:endParaRPr sz="4400" b="0" i="0" u="none" strike="noStrike" cap="none">
+              <a:solidFill>
+                <a:schemeClr val="dk1"/>
+              </a:solidFill>
+              <a:latin typeface="Calibri"/>
+              <a:ea typeface="Calibri"/>
+              <a:cs typeface="Calibri"/>
+              <a:sym typeface="Calibri"/>
+            </a:endParaRPr>
+          </a:p>
+        </p:txBody>
+      </p:sp>
+      <p:pic>
+        <p:nvPicPr>
+          <p:cNvPr id="122" name="Google Shape;122;p5"/>
+          <p:cNvPicPr preferRelativeResize="0"/>
+          <p:nvPr/>
+        </p:nvPicPr>
+        <p:blipFill rotWithShape="1">
+          <a:blip r:embed="rId3">
+            <a:alphaModFix/>
+          </a:blip>
+          <a:srcRect/>
+          <a:stretch/>
+        </p:blipFill>
+        <p:spPr>
+          <a:xfrm>
+            <a:off x="8063805" y="188640"/>
+            <a:ext cx="828675" cy="819150"/>
+          </a:xfrm>
+          <a:prstGeom prst="rect">
+            <a:avLst/>
+          </a:prstGeom>
+          <a:noFill/>
+          <a:ln>
+            <a:noFill/>
+          </a:ln>
+        </p:spPr>
+      </p:pic>
+      <p:sp>
+        <p:nvSpPr>
+          <p:cNvPr id="123" name="Google Shape;123;p5"/>
+          <p:cNvSpPr txBox="1">
+            <a:spLocks noGrp="1"/>
+          </p:cNvSpPr>
+          <p:nvPr>
+            <p:ph type="title"/>
+          </p:nvPr>
+        </p:nvSpPr>
+        <p:spPr>
+          <a:xfrm>
+            <a:off x="729450" y="1758200"/>
+            <a:ext cx="7688700" cy="713700"/>
+          </a:xfrm>
+          <a:prstGeom prst="rect">
+            <a:avLst/>
+          </a:prstGeom>
+        </p:spPr>
+        <p:txBody>
+          <a:bodyPr spcFirstLastPara="1" wrap="square" lIns="91425" tIns="91425" rIns="91425" bIns="91425" anchor="t" anchorCtr="0">
+            <a:normAutofit/>
+          </a:bodyPr>
+          <a:lstStyle/>
+          <a:p>
+            <a:pPr marL="0" lvl="0" indent="0" algn="l" rtl="0">
+              <a:lnSpc>
+                <a:spcPct val="115000"/>
+              </a:lnSpc>
+              <a:spcBef>
+                <a:spcPts val="0"/>
+              </a:spcBef>
+              <a:spcAft>
+                <a:spcPts val="0"/>
+              </a:spcAft>
+              <a:buNone/>
+            </a:pPr>
+            <a:r>
+              <a:rPr lang="en-US" sz="2400">
+                <a:solidFill>
+                  <a:schemeClr val="dk1"/>
+                </a:solidFill>
+                <a:latin typeface="Verdana"/>
+                <a:ea typeface="Verdana"/>
+                <a:cs typeface="Verdana"/>
+                <a:sym typeface="Verdana"/>
+              </a:rPr>
+              <a:t>Approach:</a:t>
+            </a:r>
+            <a:endParaRPr>
+              <a:solidFill>
+                <a:schemeClr val="dk1"/>
+              </a:solidFill>
+            </a:endParaRPr>
+          </a:p>
+        </p:txBody>
+      </p:sp>
+      <p:sp>
+        <p:nvSpPr>
+          <p:cNvPr id="124" name="Google Shape;124;p5"/>
+          <p:cNvSpPr txBox="1">
+            <a:spLocks noGrp="1"/>
+          </p:cNvSpPr>
+          <p:nvPr>
+            <p:ph type="body" idx="1"/>
+          </p:nvPr>
+        </p:nvSpPr>
+        <p:spPr>
+          <a:xfrm>
+            <a:off x="729450" y="2471900"/>
+            <a:ext cx="7688700" cy="3314575"/>
+          </a:xfrm>
+          <a:prstGeom prst="rect">
+            <a:avLst/>
+          </a:prstGeom>
+        </p:spPr>
+        <p:txBody>
+          <a:bodyPr spcFirstLastPara="1" wrap="square" lIns="91425" tIns="91425" rIns="91425" bIns="91425" anchor="t" anchorCtr="0">
+            <a:noAutofit/>
+          </a:bodyPr>
+          <a:lstStyle/>
+          <a:p>
+            <a:pPr marL="285750" indent="-285750" algn="just">
+              <a:lnSpc>
+                <a:spcPct val="95000"/>
+              </a:lnSpc>
+              <a:spcBef>
+                <a:spcPts val="1200"/>
+              </a:spcBef>
+              <a:spcAft>
+                <a:spcPts val="1200"/>
+              </a:spcAft>
+            </a:pPr>
+            <a:r>
+              <a:rPr lang="en-US" sz="1500" dirty="0"/>
+              <a:t>Using machine learning approach, on submission we achieved</a:t>
+            </a:r>
+            <a:r>
+              <a:rPr lang="en-US" sz="1500" b="1" dirty="0"/>
+              <a:t> </a:t>
+            </a:r>
+            <a:r>
+              <a:rPr lang="en-US" b="1" dirty="0"/>
+              <a:t>92.0906 </a:t>
+            </a:r>
+            <a:r>
+              <a:rPr lang="en-US" dirty="0"/>
+              <a:t>score.</a:t>
+            </a:r>
+          </a:p>
+          <a:p>
+            <a:pPr marL="285750" indent="-285750" algn="just">
+              <a:lnSpc>
+                <a:spcPct val="95000"/>
+              </a:lnSpc>
+              <a:spcBef>
+                <a:spcPts val="1200"/>
+              </a:spcBef>
+              <a:spcAft>
+                <a:spcPts val="1200"/>
+              </a:spcAft>
+            </a:pPr>
+            <a:r>
+              <a:rPr lang="en-US" sz="1500" dirty="0"/>
+              <a:t>Later to improve the score we took an unconventional approach:</a:t>
+            </a:r>
+          </a:p>
+          <a:p>
+            <a:pPr marL="285750" indent="-285750" algn="just">
+              <a:lnSpc>
+                <a:spcPct val="95000"/>
+              </a:lnSpc>
+              <a:spcBef>
+                <a:spcPts val="1200"/>
+              </a:spcBef>
+              <a:spcAft>
+                <a:spcPts val="1200"/>
+              </a:spcAft>
+            </a:pPr>
+            <a:r>
+              <a:rPr lang="en-US" sz="1500" dirty="0">
+                <a:latin typeface="Lato" panose="020F0502020204030203" pitchFamily="34" charset="0"/>
+                <a:ea typeface="Lato" panose="020F0502020204030203" pitchFamily="34" charset="0"/>
+                <a:cs typeface="Lato" panose="020F0502020204030203" pitchFamily="34" charset="0"/>
+              </a:rPr>
+              <a:t>We have compared all </a:t>
+            </a:r>
+            <a:r>
+              <a:rPr lang="en-US" sz="1500" b="1" dirty="0">
+                <a:latin typeface="Lato" panose="020F0502020204030203" pitchFamily="34" charset="0"/>
+                <a:ea typeface="Lato" panose="020F0502020204030203" pitchFamily="34" charset="0"/>
+                <a:cs typeface="Lato" panose="020F0502020204030203" pitchFamily="34" charset="0"/>
+              </a:rPr>
+              <a:t>identical</a:t>
+            </a:r>
+            <a:r>
+              <a:rPr lang="en-US" sz="1500" dirty="0">
+                <a:latin typeface="Lato" panose="020F0502020204030203" pitchFamily="34" charset="0"/>
+                <a:ea typeface="Lato" panose="020F0502020204030203" pitchFamily="34" charset="0"/>
+                <a:cs typeface="Lato" panose="020F0502020204030203" pitchFamily="34" charset="0"/>
+              </a:rPr>
+              <a:t> records from both(train and test) dataset and </a:t>
+            </a:r>
+            <a:r>
+              <a:rPr lang="en-US" sz="1500" b="1" dirty="0">
+                <a:latin typeface="Lato" panose="020F0502020204030203" pitchFamily="34" charset="0"/>
+                <a:ea typeface="Lato" panose="020F0502020204030203" pitchFamily="34" charset="0"/>
+                <a:cs typeface="Lato" panose="020F0502020204030203" pitchFamily="34" charset="0"/>
+              </a:rPr>
+              <a:t>copy</a:t>
+            </a:r>
+            <a:r>
+              <a:rPr lang="en-US" sz="1500" dirty="0">
+                <a:latin typeface="Lato" panose="020F0502020204030203" pitchFamily="34" charset="0"/>
+                <a:ea typeface="Lato" panose="020F0502020204030203" pitchFamily="34" charset="0"/>
+                <a:cs typeface="Lato" panose="020F0502020204030203" pitchFamily="34" charset="0"/>
+              </a:rPr>
+              <a:t> the </a:t>
+            </a:r>
+            <a:r>
+              <a:rPr lang="en-US" sz="1500" b="1" dirty="0">
+                <a:latin typeface="Lato" panose="020F0502020204030203" pitchFamily="34" charset="0"/>
+                <a:ea typeface="Lato" panose="020F0502020204030203" pitchFamily="34" charset="0"/>
+                <a:cs typeface="Lato" panose="020F0502020204030203" pitchFamily="34" charset="0"/>
+              </a:rPr>
+              <a:t>Result</a:t>
+            </a:r>
+            <a:r>
+              <a:rPr lang="en-US" sz="1500" dirty="0">
+                <a:latin typeface="Lato" panose="020F0502020204030203" pitchFamily="34" charset="0"/>
+                <a:ea typeface="Lato" panose="020F0502020204030203" pitchFamily="34" charset="0"/>
+                <a:cs typeface="Lato" panose="020F0502020204030203" pitchFamily="34" charset="0"/>
+              </a:rPr>
+              <a:t> variable form </a:t>
+            </a:r>
+            <a:r>
+              <a:rPr lang="en-US" sz="1500" b="1" dirty="0">
+                <a:latin typeface="Lato" panose="020F0502020204030203" pitchFamily="34" charset="0"/>
+                <a:ea typeface="Lato" panose="020F0502020204030203" pitchFamily="34" charset="0"/>
+                <a:cs typeface="Lato" panose="020F0502020204030203" pitchFamily="34" charset="0"/>
+              </a:rPr>
+              <a:t>train to test</a:t>
+            </a:r>
+            <a:r>
+              <a:rPr lang="en-US" sz="1500" dirty="0">
+                <a:latin typeface="Lato" panose="020F0502020204030203" pitchFamily="34" charset="0"/>
+                <a:ea typeface="Lato" panose="020F0502020204030203" pitchFamily="34" charset="0"/>
+                <a:cs typeface="Lato" panose="020F0502020204030203" pitchFamily="34" charset="0"/>
+              </a:rPr>
+              <a:t>.</a:t>
+            </a:r>
+          </a:p>
+          <a:p>
+            <a:pPr marL="285750" indent="-285750" algn="just">
+              <a:lnSpc>
+                <a:spcPct val="95000"/>
+              </a:lnSpc>
+              <a:spcBef>
+                <a:spcPts val="1200"/>
+              </a:spcBef>
+              <a:spcAft>
+                <a:spcPts val="1200"/>
+              </a:spcAft>
+            </a:pPr>
+            <a:r>
+              <a:rPr lang="en-US" sz="1500" dirty="0">
+                <a:latin typeface="Lato" panose="020F0502020204030203" pitchFamily="34" charset="0"/>
+                <a:ea typeface="Lato" panose="020F0502020204030203" pitchFamily="34" charset="0"/>
+                <a:cs typeface="Lato" panose="020F0502020204030203" pitchFamily="34" charset="0"/>
+              </a:rPr>
+              <a:t>Then found </a:t>
+            </a:r>
+            <a:r>
+              <a:rPr lang="en-US" sz="1500" b="1" dirty="0">
+                <a:latin typeface="Lato" panose="020F0502020204030203" pitchFamily="34" charset="0"/>
+                <a:ea typeface="Lato" panose="020F0502020204030203" pitchFamily="34" charset="0"/>
+                <a:cs typeface="Lato" panose="020F0502020204030203" pitchFamily="34" charset="0"/>
+              </a:rPr>
+              <a:t>653 unseen records </a:t>
+            </a:r>
+            <a:r>
+              <a:rPr lang="en-US" sz="1500" dirty="0">
+                <a:latin typeface="Lato" panose="020F0502020204030203" pitchFamily="34" charset="0"/>
+                <a:ea typeface="Lato" panose="020F0502020204030203" pitchFamily="34" charset="0"/>
+                <a:cs typeface="Lato" panose="020F0502020204030203" pitchFamily="34" charset="0"/>
+              </a:rPr>
+              <a:t>in </a:t>
+            </a:r>
+            <a:r>
+              <a:rPr lang="en-US" sz="1500" b="1" dirty="0">
+                <a:latin typeface="Lato" panose="020F0502020204030203" pitchFamily="34" charset="0"/>
+                <a:ea typeface="Lato" panose="020F0502020204030203" pitchFamily="34" charset="0"/>
+                <a:cs typeface="Lato" panose="020F0502020204030203" pitchFamily="34" charset="0"/>
+              </a:rPr>
+              <a:t>test</a:t>
+            </a:r>
+            <a:r>
+              <a:rPr lang="en-US" sz="1500" dirty="0">
+                <a:latin typeface="Lato" panose="020F0502020204030203" pitchFamily="34" charset="0"/>
+                <a:ea typeface="Lato" panose="020F0502020204030203" pitchFamily="34" charset="0"/>
+                <a:cs typeface="Lato" panose="020F0502020204030203" pitchFamily="34" charset="0"/>
+              </a:rPr>
+              <a:t> data. We have predicted the </a:t>
+            </a:r>
+            <a:r>
+              <a:rPr lang="en-US" sz="1500" b="1" dirty="0">
+                <a:latin typeface="Lato" panose="020F0502020204030203" pitchFamily="34" charset="0"/>
+                <a:ea typeface="Lato" panose="020F0502020204030203" pitchFamily="34" charset="0"/>
+                <a:cs typeface="Lato" panose="020F0502020204030203" pitchFamily="34" charset="0"/>
+              </a:rPr>
+              <a:t>Result</a:t>
+            </a:r>
+            <a:r>
+              <a:rPr lang="en-US" sz="1500" dirty="0">
+                <a:latin typeface="Lato" panose="020F0502020204030203" pitchFamily="34" charset="0"/>
+                <a:ea typeface="Lato" panose="020F0502020204030203" pitchFamily="34" charset="0"/>
+                <a:cs typeface="Lato" panose="020F0502020204030203" pitchFamily="34" charset="0"/>
+              </a:rPr>
+              <a:t> variable with our </a:t>
+            </a:r>
+            <a:r>
+              <a:rPr lang="en-US" sz="1500" b="1" dirty="0">
+                <a:latin typeface="Lato" panose="020F0502020204030203" pitchFamily="34" charset="0"/>
+                <a:ea typeface="Lato" panose="020F0502020204030203" pitchFamily="34" charset="0"/>
+                <a:cs typeface="Lato" panose="020F0502020204030203" pitchFamily="34" charset="0"/>
+              </a:rPr>
+              <a:t>final model</a:t>
+            </a:r>
+            <a:r>
+              <a:rPr lang="en-US" sz="1500" dirty="0">
+                <a:latin typeface="Lato" panose="020F0502020204030203" pitchFamily="34" charset="0"/>
+                <a:ea typeface="Lato" panose="020F0502020204030203" pitchFamily="34" charset="0"/>
+                <a:cs typeface="Lato" panose="020F0502020204030203" pitchFamily="34" charset="0"/>
+              </a:rPr>
+              <a:t> for those unseen records.</a:t>
+            </a:r>
+          </a:p>
+          <a:p>
+            <a:pPr marL="285750" indent="-285750" algn="just">
+              <a:lnSpc>
+                <a:spcPct val="95000"/>
+              </a:lnSpc>
+              <a:spcBef>
+                <a:spcPts val="1200"/>
+              </a:spcBef>
+              <a:spcAft>
+                <a:spcPts val="1200"/>
+              </a:spcAft>
+            </a:pPr>
+            <a:r>
+              <a:rPr lang="en-US" sz="1500" dirty="0">
+                <a:latin typeface="Lato" panose="020F0502020204030203" pitchFamily="34" charset="0"/>
+                <a:ea typeface="Lato" panose="020F0502020204030203" pitchFamily="34" charset="0"/>
+                <a:cs typeface="Lato" panose="020F0502020204030203" pitchFamily="34" charset="0"/>
+              </a:rPr>
+              <a:t>And we have achieved </a:t>
+            </a:r>
+            <a:r>
+              <a:rPr lang="en-US" sz="1500" b="1" dirty="0">
+                <a:latin typeface="Lato" panose="020F0502020204030203" pitchFamily="34" charset="0"/>
+                <a:ea typeface="Lato" panose="020F0502020204030203" pitchFamily="34" charset="0"/>
+                <a:cs typeface="Lato" panose="020F0502020204030203" pitchFamily="34" charset="0"/>
+              </a:rPr>
+              <a:t>95.9677</a:t>
+            </a:r>
+            <a:r>
+              <a:rPr lang="en-US" sz="1500" dirty="0">
+                <a:latin typeface="Lato" panose="020F0502020204030203" pitchFamily="34" charset="0"/>
+                <a:ea typeface="Lato" panose="020F0502020204030203" pitchFamily="34" charset="0"/>
+                <a:cs typeface="Lato" panose="020F0502020204030203" pitchFamily="34" charset="0"/>
+              </a:rPr>
+              <a:t> score</a:t>
+            </a:r>
+          </a:p>
+        </p:txBody>
+      </p:sp>
+    </p:spTree>
+    <p:extLst>
+      <p:ext uri="{BB962C8B-B14F-4D97-AF65-F5344CB8AC3E}">
+        <p14:creationId xmlns:p14="http://schemas.microsoft.com/office/powerpoint/2010/main" val="2654928602"/>
+      </p:ext>
+    </p:extLst>
+  </p:cSld>
+  <p:clrMapOvr>
+    <a:masterClrMapping/>
+  </p:clrMapOvr>
+</p:sld>
+</file>
+
+<file path=ppt/slides/slide7.xml><?xml version="1.0" encoding="utf-8"?>
 <p:sld xmlns:a="http://schemas.openxmlformats.org/drawingml/2006/main" xmlns:r="http://schemas.openxmlformats.org/officeDocument/2006/relationships" xmlns:p="http://schemas.openxmlformats.org/presentationml/2006/main">
   <p:cSld>
     <p:spTree>
@@ -10524,62 +12059,6 @@
           </a:p>
         </p:txBody>
       </p:sp>
-      <p:pic>
-        <p:nvPicPr>
-          <p:cNvPr id="131" name="Google Shape;131;p6"/>
-          <p:cNvPicPr preferRelativeResize="0"/>
-          <p:nvPr/>
-        </p:nvPicPr>
-        <p:blipFill>
-          <a:blip r:embed="rId4">
-            <a:alphaModFix/>
-          </a:blip>
-          <a:stretch>
-            <a:fillRect/>
-          </a:stretch>
-        </p:blipFill>
-        <p:spPr>
-          <a:xfrm>
-            <a:off x="152400" y="2624300"/>
-            <a:ext cx="8839198" cy="2779261"/>
-          </a:xfrm>
-          <a:prstGeom prst="rect">
-            <a:avLst/>
-          </a:prstGeom>
-          <a:noFill/>
-          <a:ln>
-            <a:noFill/>
-          </a:ln>
-        </p:spPr>
-      </p:pic>
-      <p:pic>
-        <p:nvPicPr>
-          <p:cNvPr id="132" name="Google Shape;132;p6"/>
-          <p:cNvPicPr preferRelativeResize="0"/>
-          <p:nvPr/>
-        </p:nvPicPr>
-        <p:blipFill>
-          <a:blip r:embed="rId5">
-            <a:alphaModFix/>
-          </a:blip>
-          <a:stretch>
-            <a:fillRect/>
-          </a:stretch>
-        </p:blipFill>
-        <p:spPr>
-          <a:xfrm>
-            <a:off x="692500" y="5720350"/>
-            <a:ext cx="7759005" cy="855842"/>
-          </a:xfrm>
-          <a:prstGeom prst="rect">
-            <a:avLst/>
-          </a:prstGeom>
-          <a:noFill/>
-          <a:ln>
-            <a:noFill/>
-          </a:ln>
-        </p:spPr>
-      </p:pic>
       <p:sp>
         <p:nvSpPr>
           <p:cNvPr id="133" name="Google Shape;133;p6"/>
@@ -10615,15 +12094,15 @@
               <a:buNone/>
             </a:pPr>
             <a:r>
-              <a:rPr lang="en-US" b="1">
+              <a:rPr lang="en-US" b="1" dirty="0">
                 <a:latin typeface="Lato"/>
                 <a:ea typeface="Lato"/>
                 <a:cs typeface="Lato"/>
                 <a:sym typeface="Lato"/>
               </a:rPr>
-              <a:t>Optimal Probability cutoff: 0.455</a:t>
+              <a:t>Optimal Probability cutoff: 0.435</a:t>
             </a:r>
-            <a:endParaRPr b="1">
+            <a:endParaRPr b="1" dirty="0">
               <a:latin typeface="Lato"/>
               <a:ea typeface="Lato"/>
               <a:cs typeface="Lato"/>
@@ -10632,6 +12111,83 @@
           </a:p>
         </p:txBody>
       </p:sp>
+      <p:pic>
+        <p:nvPicPr>
+          <p:cNvPr id="2050" name="Picture 2">
+            <a:extLst>
+              <a:ext uri="{FF2B5EF4-FFF2-40B4-BE49-F238E27FC236}">
+                <a16:creationId xmlns:a16="http://schemas.microsoft.com/office/drawing/2014/main" id="{DC2D4307-F3B9-4EA8-BC96-24CF783FDD4F}"/>
+              </a:ext>
+            </a:extLst>
+          </p:cNvPr>
+          <p:cNvPicPr>
+            <a:picLocks noChangeAspect="1" noChangeArrowheads="1"/>
+          </p:cNvPicPr>
+          <p:nvPr/>
+        </p:nvPicPr>
+        <p:blipFill>
+          <a:blip r:embed="rId4">
+            <a:extLst>
+              <a:ext uri="{28A0092B-C50C-407E-A947-70E740481C1C}">
+                <a14:useLocalDpi xmlns:a14="http://schemas.microsoft.com/office/drawing/2010/main" val="0"/>
+              </a:ext>
+            </a:extLst>
+          </a:blip>
+          <a:srcRect/>
+          <a:stretch>
+            <a:fillRect/>
+          </a:stretch>
+        </p:blipFill>
+        <p:spPr bwMode="auto">
+          <a:xfrm>
+            <a:off x="87596" y="2656580"/>
+            <a:ext cx="8968808" cy="2819881"/>
+          </a:xfrm>
+          <a:prstGeom prst="rect">
+            <a:avLst/>
+          </a:prstGeom>
+          <a:noFill/>
+          <a:extLst>
+            <a:ext uri="{909E8E84-426E-40DD-AFC4-6F175D3DCCD1}">
+              <a14:hiddenFill xmlns:a14="http://schemas.microsoft.com/office/drawing/2010/main">
+                <a:solidFill>
+                  <a:srgbClr val="FFFFFF"/>
+                </a:solidFill>
+              </a14:hiddenFill>
+            </a:ext>
+          </a:extLst>
+        </p:spPr>
+      </p:pic>
+      <p:pic>
+        <p:nvPicPr>
+          <p:cNvPr id="3" name="Picture 2">
+            <a:extLst>
+              <a:ext uri="{FF2B5EF4-FFF2-40B4-BE49-F238E27FC236}">
+                <a16:creationId xmlns:a16="http://schemas.microsoft.com/office/drawing/2014/main" id="{8B940D05-1763-4DB0-A691-8F840FD6022C}"/>
+              </a:ext>
+            </a:extLst>
+          </p:cNvPr>
+          <p:cNvPicPr>
+            <a:picLocks noChangeAspect="1"/>
+          </p:cNvPicPr>
+          <p:nvPr/>
+        </p:nvPicPr>
+        <p:blipFill>
+          <a:blip r:embed="rId5"/>
+          <a:stretch>
+            <a:fillRect/>
+          </a:stretch>
+        </p:blipFill>
+        <p:spPr>
+          <a:xfrm>
+            <a:off x="1478012" y="5831035"/>
+            <a:ext cx="6187976" cy="617273"/>
+          </a:xfrm>
+          <a:prstGeom prst="rect">
+            <a:avLst/>
+          </a:prstGeom>
+        </p:spPr>
+      </p:pic>
     </p:spTree>
   </p:cSld>
   <p:clrMapOvr>
@@ -10640,7 +12196,7 @@
 </p:sld>
 </file>
 
-<file path=ppt/slides/slide7.xml><?xml version="1.0" encoding="utf-8"?>
+<file path=ppt/slides/slide8.xml><?xml version="1.0" encoding="utf-8"?>
 <p:sld xmlns:a="http://schemas.openxmlformats.org/drawingml/2006/main" xmlns:r="http://schemas.openxmlformats.org/officeDocument/2006/relationships" xmlns:p="http://schemas.openxmlformats.org/presentationml/2006/main">
   <p:cSld>
     <p:spTree>
@@ -10657,129 +12213,53 @@
           <a:chExt cx="0" cy="0"/>
         </a:xfrm>
       </p:grpSpPr>
-      <p:grpSp>
-        <p:nvGrpSpPr>
-          <p:cNvPr id="138" name="Google Shape;138;p7"/>
-          <p:cNvGrpSpPr/>
+      <p:pic>
+        <p:nvPicPr>
+          <p:cNvPr id="1026" name="Picture 2">
+            <a:extLst>
+              <a:ext uri="{FF2B5EF4-FFF2-40B4-BE49-F238E27FC236}">
+                <a16:creationId xmlns:a16="http://schemas.microsoft.com/office/drawing/2014/main" id="{674FFBE7-147A-4C57-8BAA-E8762F624653}"/>
+              </a:ext>
+            </a:extLst>
+          </p:cNvPr>
+          <p:cNvPicPr>
+            <a:picLocks noChangeAspect="1" noChangeArrowheads="1"/>
+          </p:cNvPicPr>
           <p:nvPr/>
-        </p:nvGrpSpPr>
-        <p:grpSpPr>
+        </p:nvPicPr>
+        <p:blipFill>
+          <a:blip r:embed="rId3">
+            <a:extLst>
+              <a:ext uri="{28A0092B-C50C-407E-A947-70E740481C1C}">
+                <a14:useLocalDpi xmlns:a14="http://schemas.microsoft.com/office/drawing/2010/main" val="0"/>
+              </a:ext>
+            </a:extLst>
+          </a:blip>
+          <a:srcRect/>
+          <a:stretch>
+            <a:fillRect/>
+          </a:stretch>
+        </p:blipFill>
+        <p:spPr bwMode="auto">
           <a:xfrm>
-            <a:off x="494413" y="2449450"/>
+            <a:off x="264008" y="2373800"/>
             <a:ext cx="5057775" cy="3638550"/>
-            <a:chOff x="494413" y="2449450"/>
-            <a:chExt cx="5057775" cy="3638550"/>
           </a:xfrm>
-        </p:grpSpPr>
-        <p:pic>
-          <p:nvPicPr>
-            <p:cNvPr id="139" name="Google Shape;139;p7"/>
-            <p:cNvPicPr preferRelativeResize="0"/>
-            <p:nvPr/>
-          </p:nvPicPr>
-          <p:blipFill>
-            <a:blip r:embed="rId3">
-              <a:alphaModFix/>
-            </a:blip>
-            <a:stretch>
-              <a:fillRect/>
-            </a:stretch>
-          </p:blipFill>
-          <p:spPr>
-            <a:xfrm>
-              <a:off x="494413" y="2449450"/>
-              <a:ext cx="5057775" cy="3638550"/>
-            </a:xfrm>
-            <a:prstGeom prst="rect">
-              <a:avLst/>
-            </a:prstGeom>
-            <a:noFill/>
-            <a:ln>
-              <a:noFill/>
-            </a:ln>
-          </p:spPr>
-        </p:pic>
-        <p:sp>
-          <p:nvSpPr>
-            <p:cNvPr id="140" name="Google Shape;140;p7"/>
-            <p:cNvSpPr/>
-            <p:nvPr/>
-          </p:nvSpPr>
-          <p:spPr>
-            <a:xfrm>
-              <a:off x="3321836" y="5826625"/>
-              <a:ext cx="1098300" cy="201000"/>
-            </a:xfrm>
-            <a:prstGeom prst="rect">
-              <a:avLst/>
-            </a:prstGeom>
-            <a:solidFill>
-              <a:schemeClr val="lt1"/>
-            </a:solidFill>
-            <a:ln>
-              <a:noFill/>
-            </a:ln>
-          </p:spPr>
-          <p:txBody>
-            <a:bodyPr spcFirstLastPara="1" wrap="square" lIns="91425" tIns="91425" rIns="91425" bIns="91425" anchor="ctr" anchorCtr="0">
-              <a:noAutofit/>
-            </a:bodyPr>
-            <a:lstStyle/>
-            <a:p>
-              <a:pPr marL="0" lvl="0" indent="0" algn="l" rtl="0">
-                <a:spcBef>
-                  <a:spcPts val="0"/>
-                </a:spcBef>
-                <a:spcAft>
-                  <a:spcPts val="0"/>
-                </a:spcAft>
-                <a:buNone/>
-              </a:pPr>
-              <a:endParaRPr/>
-            </a:p>
-          </p:txBody>
-        </p:sp>
-        <p:sp>
-          <p:nvSpPr>
-            <p:cNvPr id="141" name="Google Shape;141;p7"/>
-            <p:cNvSpPr/>
-            <p:nvPr/>
-          </p:nvSpPr>
-          <p:spPr>
-            <a:xfrm>
-              <a:off x="494425" y="3099195"/>
-              <a:ext cx="234900" cy="1039800"/>
-            </a:xfrm>
-            <a:prstGeom prst="rect">
-              <a:avLst/>
-            </a:prstGeom>
-            <a:solidFill>
-              <a:schemeClr val="lt1"/>
-            </a:solidFill>
-            <a:ln>
-              <a:noFill/>
-            </a:ln>
-          </p:spPr>
-          <p:txBody>
-            <a:bodyPr spcFirstLastPara="1" wrap="square" lIns="91425" tIns="91425" rIns="91425" bIns="91425" anchor="ctr" anchorCtr="0">
-              <a:noAutofit/>
-            </a:bodyPr>
-            <a:lstStyle/>
-            <a:p>
-              <a:pPr marL="0" lvl="0" indent="0" algn="l" rtl="0">
-                <a:spcBef>
-                  <a:spcPts val="0"/>
-                </a:spcBef>
-                <a:spcAft>
-                  <a:spcPts val="0"/>
-                </a:spcAft>
-                <a:buNone/>
-              </a:pPr>
-              <a:endParaRPr/>
-            </a:p>
-          </p:txBody>
-        </p:sp>
-      </p:grpSp>
+          <a:prstGeom prst="rect">
+            <a:avLst/>
+          </a:prstGeom>
+          <a:noFill/>
+          <a:extLst>
+            <a:ext uri="{909E8E84-426E-40DD-AFC4-6F175D3DCCD1}">
+              <a14:hiddenFill xmlns:a14="http://schemas.microsoft.com/office/drawing/2010/main">
+                <a:solidFill>
+                  <a:srgbClr val="FFFFFF"/>
+                </a:solidFill>
+              </a14:hiddenFill>
+            </a:ext>
+          </a:extLst>
+        </p:spPr>
+      </p:pic>
       <p:pic>
         <p:nvPicPr>
           <p:cNvPr id="142" name="Google Shape;142;p7"/>
@@ -10860,34 +12340,6 @@
           </a:p>
         </p:txBody>
       </p:sp>
-      <p:pic>
-        <p:nvPicPr>
-          <p:cNvPr id="144" name="Google Shape;144;p7"/>
-          <p:cNvPicPr preferRelativeResize="0"/>
-          <p:nvPr/>
-        </p:nvPicPr>
-        <p:blipFill>
-          <a:blip r:embed="rId5">
-            <a:alphaModFix/>
-          </a:blip>
-          <a:stretch>
-            <a:fillRect/>
-          </a:stretch>
-        </p:blipFill>
-        <p:spPr>
-          <a:xfrm>
-            <a:off x="6788801" y="2373600"/>
-            <a:ext cx="1629350" cy="4036775"/>
-          </a:xfrm>
-          <a:prstGeom prst="rect">
-            <a:avLst/>
-          </a:prstGeom>
-          <a:noFill/>
-          <a:ln>
-            <a:noFill/>
-          </a:ln>
-        </p:spPr>
-      </p:pic>
       <p:sp>
         <p:nvSpPr>
           <p:cNvPr id="145" name="Google Shape;145;p7"/>
@@ -10896,8 +12348,8 @@
         </p:nvSpPr>
         <p:spPr>
           <a:xfrm>
-            <a:off x="494425" y="6088000"/>
-            <a:ext cx="5948400" cy="615600"/>
+            <a:off x="1597799" y="6064258"/>
+            <a:ext cx="5948400" cy="400079"/>
           </a:xfrm>
           <a:prstGeom prst="rect">
             <a:avLst/>
@@ -10913,7 +12365,7 @@
           </a:bodyPr>
           <a:lstStyle/>
           <a:p>
-            <a:pPr marL="0" lvl="0" indent="0" algn="l" rtl="0">
+            <a:pPr marL="0" lvl="0" indent="0" algn="ctr" rtl="0">
               <a:spcBef>
                 <a:spcPts val="0"/>
               </a:spcBef>
@@ -10923,62 +12375,68 @@
               <a:buNone/>
             </a:pPr>
             <a:r>
-              <a:rPr lang="en-US">
-                <a:latin typeface="Lato"/>
-                <a:ea typeface="Lato"/>
-                <a:cs typeface="Lato"/>
+              <a:rPr lang="en-US" b="1" dirty="0">
                 <a:sym typeface="Lato"/>
               </a:rPr>
-              <a:t>To keep </a:t>
+              <a:t>AUC: </a:t>
             </a:r>
             <a:r>
-              <a:rPr lang="en-US" b="1">
-                <a:latin typeface="Lato"/>
-                <a:ea typeface="Lato"/>
-                <a:cs typeface="Lato"/>
-                <a:sym typeface="Lato"/>
-              </a:rPr>
-              <a:t>FNR </a:t>
+              <a:rPr lang="en-US" b="1" dirty="0"/>
+              <a:t>0.9967586280475468</a:t>
             </a:r>
-            <a:r>
-              <a:rPr lang="en-US">
-                <a:latin typeface="Lato"/>
-                <a:ea typeface="Lato"/>
-                <a:cs typeface="Lato"/>
-                <a:sym typeface="Lato"/>
-              </a:rPr>
-              <a:t>lower we have chosen </a:t>
-            </a:r>
-            <a:r>
-              <a:rPr lang="en-US" b="1">
-                <a:solidFill>
-                  <a:srgbClr val="0000FF"/>
-                </a:solidFill>
-                <a:latin typeface="Lato"/>
-                <a:ea typeface="Lato"/>
-                <a:cs typeface="Lato"/>
-                <a:sym typeface="Lato"/>
-              </a:rPr>
-              <a:t>0.25</a:t>
-            </a:r>
-            <a:r>
-              <a:rPr lang="en-US">
-                <a:latin typeface="Lato"/>
-                <a:ea typeface="Lato"/>
-                <a:cs typeface="Lato"/>
-                <a:sym typeface="Lato"/>
-              </a:rPr>
-              <a:t> as our probability cutoff to generate the submission file</a:t>
-            </a:r>
-            <a:endParaRPr>
-              <a:latin typeface="Lato"/>
-              <a:ea typeface="Lato"/>
-              <a:cs typeface="Lato"/>
+            <a:endParaRPr b="1" dirty="0">
               <a:sym typeface="Lato"/>
             </a:endParaRPr>
           </a:p>
         </p:txBody>
       </p:sp>
+      <p:pic>
+        <p:nvPicPr>
+          <p:cNvPr id="1028" name="Picture 4">
+            <a:extLst>
+              <a:ext uri="{FF2B5EF4-FFF2-40B4-BE49-F238E27FC236}">
+                <a16:creationId xmlns:a16="http://schemas.microsoft.com/office/drawing/2014/main" id="{A0A398F1-0568-44AB-A664-F52F5379DE2E}"/>
+              </a:ext>
+            </a:extLst>
+          </p:cNvPr>
+          <p:cNvPicPr>
+            <a:picLocks noChangeAspect="1" noChangeArrowheads="1"/>
+          </p:cNvPicPr>
+          <p:nvPr/>
+        </p:nvPicPr>
+        <p:blipFill>
+          <a:blip r:embed="rId5">
+            <a:extLst>
+              <a:ext uri="{28A0092B-C50C-407E-A947-70E740481C1C}">
+                <a14:useLocalDpi xmlns:a14="http://schemas.microsoft.com/office/drawing/2010/main" val="0"/>
+              </a:ext>
+            </a:extLst>
+          </a:blip>
+          <a:srcRect/>
+          <a:stretch>
+            <a:fillRect/>
+          </a:stretch>
+        </p:blipFill>
+        <p:spPr bwMode="auto">
+          <a:xfrm>
+            <a:off x="5321783" y="2376305"/>
+            <a:ext cx="3597965" cy="1865820"/>
+          </a:xfrm>
+          <a:prstGeom prst="rect">
+            <a:avLst/>
+          </a:prstGeom>
+          <a:noFill/>
+          <a:extLst>
+            <a:ext uri="{909E8E84-426E-40DD-AFC4-6F175D3DCCD1}">
+              <a14:hiddenFill xmlns:a14="http://schemas.microsoft.com/office/drawing/2010/main">
+                <a:solidFill>
+                  <a:srgbClr val="FFFFFF"/>
+                </a:solidFill>
+              </a14:hiddenFill>
+            </a:ext>
+          </a:extLst>
+        </p:spPr>
+      </p:pic>
     </p:spTree>
   </p:cSld>
   <p:clrMapOvr>
@@ -10987,7 +12445,7 @@
 </p:sld>
 </file>
 
-<file path=ppt/slides/slide8.xml><?xml version="1.0" encoding="utf-8"?>
+<file path=ppt/slides/slide9.xml><?xml version="1.0" encoding="utf-8"?>
 <p:sld xmlns:a="http://schemas.openxmlformats.org/drawingml/2006/main" xmlns:r="http://schemas.openxmlformats.org/officeDocument/2006/relationships" xmlns:p="http://schemas.openxmlformats.org/presentationml/2006/main">
   <p:cSld>
     <p:spTree>
@@ -11152,100 +12610,6 @@
               <a:buNone/>
             </a:pPr>
             <a:endParaRPr dirty="0"/>
-          </a:p>
-        </p:txBody>
-      </p:sp>
-    </p:spTree>
-  </p:cSld>
-  <p:clrMapOvr>
-    <a:masterClrMapping/>
-  </p:clrMapOvr>
-</p:sld>
-</file>
-
-<file path=ppt/slides/slide9.xml><?xml version="1.0" encoding="utf-8"?>
-<p:sld xmlns:a="http://schemas.openxmlformats.org/drawingml/2006/main" xmlns:r="http://schemas.openxmlformats.org/officeDocument/2006/relationships" xmlns:p="http://schemas.openxmlformats.org/presentationml/2006/main">
-  <p:cSld>
-    <p:spTree>
-      <p:nvGrpSpPr>
-        <p:cNvPr id="1" name="Shape 156"/>
-        <p:cNvGrpSpPr/>
-        <p:nvPr/>
-      </p:nvGrpSpPr>
-      <p:grpSpPr>
-        <a:xfrm>
-          <a:off x="0" y="0"/>
-          <a:ext cx="0" cy="0"/>
-          <a:chOff x="0" y="0"/>
-          <a:chExt cx="0" cy="0"/>
-        </a:xfrm>
-      </p:grpSpPr>
-      <p:pic>
-        <p:nvPicPr>
-          <p:cNvPr id="157" name="Google Shape;157;p10"/>
-          <p:cNvPicPr preferRelativeResize="0"/>
-          <p:nvPr/>
-        </p:nvPicPr>
-        <p:blipFill rotWithShape="1">
-          <a:blip r:embed="rId3">
-            <a:alphaModFix/>
-          </a:blip>
-          <a:srcRect/>
-          <a:stretch/>
-        </p:blipFill>
-        <p:spPr>
-          <a:xfrm>
-            <a:off x="8063805" y="188640"/>
-            <a:ext cx="828675" cy="819150"/>
-          </a:xfrm>
-          <a:prstGeom prst="rect">
-            <a:avLst/>
-          </a:prstGeom>
-          <a:noFill/>
-          <a:ln>
-            <a:noFill/>
-          </a:ln>
-        </p:spPr>
-      </p:pic>
-      <p:sp>
-        <p:nvSpPr>
-          <p:cNvPr id="158" name="Google Shape;158;p10"/>
-          <p:cNvSpPr txBox="1">
-            <a:spLocks noGrp="1"/>
-          </p:cNvSpPr>
-          <p:nvPr>
-            <p:ph type="title"/>
-          </p:nvPr>
-        </p:nvSpPr>
-        <p:spPr>
-          <a:xfrm>
-            <a:off x="729450" y="1763300"/>
-            <a:ext cx="7688400" cy="2385600"/>
-          </a:xfrm>
-          <a:prstGeom prst="rect">
-            <a:avLst/>
-          </a:prstGeom>
-        </p:spPr>
-        <p:txBody>
-          <a:bodyPr spcFirstLastPara="1" wrap="square" lIns="91425" tIns="91425" rIns="91425" bIns="91425" anchor="t" anchorCtr="0">
-            <a:normAutofit/>
-          </a:bodyPr>
-          <a:lstStyle/>
-          <a:p>
-            <a:pPr marL="0" lvl="0" indent="0" algn="l" rtl="0">
-              <a:spcBef>
-                <a:spcPts val="0"/>
-              </a:spcBef>
-              <a:spcAft>
-                <a:spcPts val="0"/>
-              </a:spcAft>
-              <a:buNone/>
-            </a:pPr>
-            <a:r>
-              <a:rPr lang="en-US"/>
-              <a:t>THANK YOU</a:t>
-            </a:r>
-            <a:endParaRPr/>
           </a:p>
         </p:txBody>
       </p:sp>

--- a/HPE_Machine_Learning_Hackathon_CG_2022.pptx
+++ b/HPE_Machine_Learning_Hackathon_CG_2022.pptx
@@ -12,8 +12,8 @@
     <p:sldId id="257" r:id="rId3"/>
     <p:sldId id="258" r:id="rId4"/>
     <p:sldId id="259" r:id="rId5"/>
-    <p:sldId id="260" r:id="rId6"/>
-    <p:sldId id="265" r:id="rId7"/>
+    <p:sldId id="265" r:id="rId6"/>
+    <p:sldId id="260" r:id="rId7"/>
     <p:sldId id="261" r:id="rId8"/>
     <p:sldId id="262" r:id="rId9"/>
     <p:sldId id="263" r:id="rId10"/>
@@ -35,32 +35,39 @@
       <p:boldItalic r:id="rId18"/>
     </p:embeddedFont>
     <p:embeddedFont>
-      <p:font typeface="Lato" panose="020F0502020204030203" pitchFamily="34" charset="0"/>
+      <p:font typeface="Consolas" panose="020B0609020204030204" pitchFamily="49" charset="0"/>
       <p:regular r:id="rId19"/>
       <p:bold r:id="rId20"/>
       <p:italic r:id="rId21"/>
       <p:boldItalic r:id="rId22"/>
     </p:embeddedFont>
     <p:embeddedFont>
-      <p:font typeface="Raleway" pitchFamily="2" charset="0"/>
+      <p:font typeface="Lato" panose="020F0502020204030203" pitchFamily="34" charset="0"/>
       <p:regular r:id="rId23"/>
       <p:bold r:id="rId24"/>
       <p:italic r:id="rId25"/>
       <p:boldItalic r:id="rId26"/>
     </p:embeddedFont>
     <p:embeddedFont>
-      <p:font typeface="Roboto Mono" panose="020B0604020202020204" charset="0"/>
+      <p:font typeface="Raleway" pitchFamily="2" charset="0"/>
       <p:regular r:id="rId27"/>
       <p:bold r:id="rId28"/>
       <p:italic r:id="rId29"/>
       <p:boldItalic r:id="rId30"/>
     </p:embeddedFont>
     <p:embeddedFont>
-      <p:font typeface="Verdana" panose="020B0604030504040204" pitchFamily="34" charset="0"/>
+      <p:font typeface="Roboto Mono" panose="020B0604020202020204" charset="0"/>
       <p:regular r:id="rId31"/>
       <p:bold r:id="rId32"/>
       <p:italic r:id="rId33"/>
       <p:boldItalic r:id="rId34"/>
+    </p:embeddedFont>
+    <p:embeddedFont>
+      <p:font typeface="Verdana" panose="020B0604030504040204" pitchFamily="34" charset="0"/>
+      <p:regular r:id="rId35"/>
+      <p:bold r:id="rId36"/>
+      <p:italic r:id="rId37"/>
+      <p:boldItalic r:id="rId38"/>
     </p:embeddedFont>
   </p:embeddedFontLst>
   <p:defaultTextStyle>
@@ -2207,6 +2214,11 @@
         </p:spPr>
       </p:sp>
     </p:spTree>
+    <p:extLst>
+      <p:ext uri="{BB962C8B-B14F-4D97-AF65-F5344CB8AC3E}">
+        <p14:creationId xmlns:p14="http://schemas.microsoft.com/office/powerpoint/2010/main" val="3304875980"/>
+      </p:ext>
+    </p:extLst>
   </p:cSld>
   <p:clrMapOvr>
     <a:masterClrMapping/>
@@ -2311,11 +2323,6 @@
         </p:spPr>
       </p:sp>
     </p:spTree>
-    <p:extLst>
-      <p:ext uri="{BB962C8B-B14F-4D97-AF65-F5344CB8AC3E}">
-        <p14:creationId xmlns:p14="http://schemas.microsoft.com/office/powerpoint/2010/main" val="3304875980"/>
-      </p:ext>
-    </p:extLst>
   </p:cSld>
   <p:clrMapOvr>
     <a:masterClrMapping/>
@@ -10511,7 +10518,7 @@
         </p:nvSpPr>
         <p:spPr>
           <a:xfrm>
-            <a:off x="4674700" y="1351722"/>
+            <a:off x="4674700" y="1162881"/>
             <a:ext cx="4186500" cy="4916978"/>
           </a:xfrm>
           <a:prstGeom prst="rect">
@@ -10927,7 +10934,19 @@
             </a:r>
             <a:r>
               <a:rPr lang="en-US" dirty="0"/>
-              <a:t>scikit-learn</a:t>
+              <a:t>scikit-learn, </a:t>
+            </a:r>
+            <a:r>
+              <a:rPr lang="en-US" dirty="0" err="1"/>
+              <a:t>StatsModel</a:t>
+            </a:r>
+            <a:r>
+              <a:rPr lang="en-US" dirty="0"/>
+              <a:t>, </a:t>
+            </a:r>
+            <a:r>
+              <a:rPr lang="en-US" dirty="0" err="1"/>
+              <a:t>XGBoost</a:t>
             </a:r>
             <a:endParaRPr dirty="0"/>
           </a:p>
@@ -10994,7 +11013,7 @@
             </a:r>
             <a:r>
               <a:rPr lang="en-US" dirty="0" err="1"/>
-              <a:t>XGBoost</a:t>
+              <a:t>XGBoostClassifier</a:t>
             </a:r>
             <a:endParaRPr dirty="0"/>
           </a:p>
@@ -11156,7 +11175,7 @@
               <a:buNone/>
             </a:pPr>
             <a:r>
-              <a:rPr lang="en-US" sz="2400">
+              <a:rPr lang="en-US" sz="2400" dirty="0">
                 <a:solidFill>
                   <a:schemeClr val="dk1"/>
                 </a:solidFill>
@@ -11165,9 +11184,9 @@
                 <a:cs typeface="Verdana"/>
                 <a:sym typeface="Verdana"/>
               </a:rPr>
-              <a:t>Approach:</a:t>
-            </a:r>
-            <a:endParaRPr>
+              <a:t>Feature Engineering:</a:t>
+            </a:r>
+            <a:endParaRPr dirty="0">
               <a:solidFill>
                 <a:schemeClr val="dk1"/>
               </a:solidFill>
@@ -11200,26 +11219,76 @@
           </a:bodyPr>
           <a:lstStyle/>
           <a:p>
-            <a:pPr marL="0" lvl="0" indent="0" algn="just" rtl="0">
+            <a:pPr marL="285750" indent="-285750" algn="just">
               <a:lnSpc>
                 <a:spcPct val="95000"/>
               </a:lnSpc>
               <a:spcBef>
-                <a:spcPts val="0"/>
-              </a:spcBef>
-              <a:spcAft>
-                <a:spcPts val="0"/>
-              </a:spcAft>
-              <a:buNone/>
+                <a:spcPts val="1200"/>
+              </a:spcBef>
+              <a:spcAft>
+                <a:spcPts val="1200"/>
+              </a:spcAft>
             </a:pPr>
             <a:r>
-              <a:rPr lang="en-US" sz="1500" b="1" dirty="0"/>
-              <a:t>Performance Metric:</a:t>
-            </a:r>
-            <a:endParaRPr sz="1500" b="1" dirty="0"/>
+              <a:rPr lang="en-US" sz="1500" dirty="0">
+                <a:latin typeface="Lato" panose="020F0502020204030203" pitchFamily="34" charset="0"/>
+                <a:ea typeface="Lato" panose="020F0502020204030203" pitchFamily="34" charset="0"/>
+                <a:cs typeface="Lato" panose="020F0502020204030203" pitchFamily="34" charset="0"/>
+              </a:rPr>
+              <a:t>We have compared all </a:t>
+            </a:r>
+            <a:r>
+              <a:rPr lang="en-US" sz="1500" b="1" dirty="0">
+                <a:latin typeface="Lato" panose="020F0502020204030203" pitchFamily="34" charset="0"/>
+                <a:ea typeface="Lato" panose="020F0502020204030203" pitchFamily="34" charset="0"/>
+                <a:cs typeface="Lato" panose="020F0502020204030203" pitchFamily="34" charset="0"/>
+              </a:rPr>
+              <a:t>identical</a:t>
+            </a:r>
+            <a:r>
+              <a:rPr lang="en-US" sz="1500" dirty="0">
+                <a:latin typeface="Lato" panose="020F0502020204030203" pitchFamily="34" charset="0"/>
+                <a:ea typeface="Lato" panose="020F0502020204030203" pitchFamily="34" charset="0"/>
+                <a:cs typeface="Lato" panose="020F0502020204030203" pitchFamily="34" charset="0"/>
+              </a:rPr>
+              <a:t> records from both(train and test) dataset and found </a:t>
+            </a:r>
+            <a:r>
+              <a:rPr lang="en-US" sz="1500" b="1" dirty="0">
+                <a:latin typeface="Lato" panose="020F0502020204030203" pitchFamily="34" charset="0"/>
+                <a:ea typeface="Lato" panose="020F0502020204030203" pitchFamily="34" charset="0"/>
+                <a:cs typeface="Lato" panose="020F0502020204030203" pitchFamily="34" charset="0"/>
+              </a:rPr>
+              <a:t>653 unseen records </a:t>
+            </a:r>
+            <a:r>
+              <a:rPr lang="en-US" sz="1500" dirty="0">
+                <a:latin typeface="Lato" panose="020F0502020204030203" pitchFamily="34" charset="0"/>
+                <a:ea typeface="Lato" panose="020F0502020204030203" pitchFamily="34" charset="0"/>
+                <a:cs typeface="Lato" panose="020F0502020204030203" pitchFamily="34" charset="0"/>
+              </a:rPr>
+              <a:t>in </a:t>
+            </a:r>
+            <a:r>
+              <a:rPr lang="en-US" sz="1500" b="1" dirty="0">
+                <a:latin typeface="Lato" panose="020F0502020204030203" pitchFamily="34" charset="0"/>
+                <a:ea typeface="Lato" panose="020F0502020204030203" pitchFamily="34" charset="0"/>
+                <a:cs typeface="Lato" panose="020F0502020204030203" pitchFamily="34" charset="0"/>
+              </a:rPr>
+              <a:t>test</a:t>
+            </a:r>
+            <a:r>
+              <a:rPr lang="en-US" sz="1500" dirty="0">
+                <a:latin typeface="Lato" panose="020F0502020204030203" pitchFamily="34" charset="0"/>
+                <a:ea typeface="Lato" panose="020F0502020204030203" pitchFamily="34" charset="0"/>
+                <a:cs typeface="Lato" panose="020F0502020204030203" pitchFamily="34" charset="0"/>
+              </a:rPr>
+              <a:t> data.</a:t>
+            </a:r>
           </a:p>
           <a:p>
-            <a:pPr marL="457200" lvl="0" indent="-323850" algn="just" rtl="0">
+            <a:pPr marL="285750" indent="-285750" algn="just">
               <a:lnSpc>
                 <a:spcPct val="95000"/>
               </a:lnSpc>
@@ -11227,63 +11296,57 @@
                 <a:spcPts val="1200"/>
               </a:spcBef>
               <a:spcAft>
-                <a:spcPts val="0"/>
-              </a:spcAft>
-              <a:buSzPts val="1500"/>
-              <a:buChar char="●"/>
+                <a:spcPts val="1200"/>
+              </a:spcAft>
             </a:pPr>
             <a:r>
-              <a:rPr lang="en-US" sz="1500" dirty="0"/>
-              <a:t>Our idea is to keep the</a:t>
-            </a:r>
-            <a:r>
-              <a:rPr lang="en-US" sz="1500" b="1" dirty="0"/>
-              <a:t> False Negative Rate(FNR) </a:t>
-            </a:r>
-            <a:r>
-              <a:rPr lang="en-US" sz="1500" dirty="0"/>
-              <a:t>as </a:t>
-            </a:r>
-            <a:r>
-              <a:rPr lang="en-US" sz="1500" b="1" dirty="0"/>
-              <a:t>low </a:t>
-            </a:r>
-            <a:r>
-              <a:rPr lang="en-US" sz="1500" dirty="0"/>
-              <a:t>as possible.</a:t>
-            </a:r>
-            <a:endParaRPr sz="1500" dirty="0"/>
+              <a:rPr lang="en-US" sz="1500" dirty="0">
+                <a:latin typeface="Lato" panose="020F0502020204030203" pitchFamily="34" charset="0"/>
+                <a:ea typeface="Lato" panose="020F0502020204030203" pitchFamily="34" charset="0"/>
+                <a:cs typeface="Lato" panose="020F0502020204030203" pitchFamily="34" charset="0"/>
+              </a:rPr>
+              <a:t>For feature engineering we have chosen </a:t>
+            </a:r>
+            <a:r>
+              <a:rPr lang="en-US" sz="1500" b="1" dirty="0">
+                <a:latin typeface="Lato" panose="020F0502020204030203" pitchFamily="34" charset="0"/>
+                <a:ea typeface="Lato" panose="020F0502020204030203" pitchFamily="34" charset="0"/>
+                <a:cs typeface="Lato" panose="020F0502020204030203" pitchFamily="34" charset="0"/>
+              </a:rPr>
+              <a:t>three</a:t>
+            </a:r>
+            <a:r>
+              <a:rPr lang="en-US" sz="1500" dirty="0">
+                <a:latin typeface="Lato" panose="020F0502020204030203" pitchFamily="34" charset="0"/>
+                <a:ea typeface="Lato" panose="020F0502020204030203" pitchFamily="34" charset="0"/>
+                <a:cs typeface="Lato" panose="020F0502020204030203" pitchFamily="34" charset="0"/>
+              </a:rPr>
+              <a:t> different techniques:</a:t>
+            </a:r>
           </a:p>
           <a:p>
-            <a:pPr marL="457200" lvl="0" indent="-323850" algn="just" rtl="0">
+            <a:pPr marL="742950" lvl="1" indent="-285750" algn="just">
               <a:lnSpc>
                 <a:spcPct val="95000"/>
               </a:lnSpc>
               <a:spcBef>
-                <a:spcPts val="0"/>
-              </a:spcBef>
-              <a:spcAft>
-                <a:spcPts val="0"/>
-              </a:spcAft>
-              <a:buSzPts val="1500"/>
-              <a:buChar char="●"/>
+                <a:spcPts val="1200"/>
+              </a:spcBef>
+              <a:spcAft>
+                <a:spcPts val="1200"/>
+              </a:spcAft>
             </a:pPr>
             <a:r>
-              <a:rPr lang="en-US" sz="1500" dirty="0"/>
-              <a:t>We took </a:t>
-            </a:r>
-            <a:r>
-              <a:rPr lang="en-US" sz="1500" b="1" dirty="0"/>
-              <a:t>ROC_AUC</a:t>
-            </a:r>
-            <a:r>
-              <a:rPr lang="en-US" sz="1500" dirty="0"/>
-              <a:t> as our evaluation metric.</a:t>
-            </a:r>
-            <a:endParaRPr sz="1500" dirty="0"/>
+              <a:rPr lang="en-US" sz="1300" dirty="0">
+                <a:latin typeface="Lato" panose="020F0502020204030203" pitchFamily="34" charset="0"/>
+                <a:ea typeface="Lato" panose="020F0502020204030203" pitchFamily="34" charset="0"/>
+                <a:cs typeface="Lato" panose="020F0502020204030203" pitchFamily="34" charset="0"/>
+              </a:rPr>
+              <a:t>Automated Approach</a:t>
+            </a:r>
           </a:p>
           <a:p>
-            <a:pPr marL="0" lvl="0" indent="0" algn="just" rtl="0">
+            <a:pPr marL="1257300" lvl="2" indent="-342900" algn="just">
               <a:lnSpc>
                 <a:spcPct val="95000"/>
               </a:lnSpc>
@@ -11291,17 +11354,22 @@
                 <a:spcPts val="1200"/>
               </a:spcBef>
               <a:spcAft>
-                <a:spcPts val="0"/>
-              </a:spcAft>
-              <a:buNone/>
+                <a:spcPts val="1200"/>
+              </a:spcAft>
+              <a:buFont typeface="+mj-lt"/>
+              <a:buAutoNum type="arabicPeriod"/>
             </a:pPr>
             <a:r>
-              <a:rPr lang="en-US" sz="1500" b="1" dirty="0"/>
-              <a:t>Model:</a:t>
+              <a:rPr lang="en-US" sz="1300" dirty="0">
+                <a:latin typeface="Lato" panose="020F0502020204030203" pitchFamily="34" charset="0"/>
+                <a:ea typeface="Lato" panose="020F0502020204030203" pitchFamily="34" charset="0"/>
+                <a:cs typeface="Lato" panose="020F0502020204030203" pitchFamily="34" charset="0"/>
+              </a:rPr>
+              <a:t>Recursive Feature Elimination (RFE) technique</a:t>
             </a:r>
           </a:p>
           <a:p>
-            <a:pPr marL="457200" lvl="0" indent="-323850" algn="just" rtl="0">
+            <a:pPr marL="742950" lvl="1" indent="-285750" algn="just">
               <a:lnSpc>
                 <a:spcPct val="95000"/>
               </a:lnSpc>
@@ -11309,166 +11377,63 @@
                 <a:spcPts val="1200"/>
               </a:spcBef>
               <a:spcAft>
-                <a:spcPts val="0"/>
-              </a:spcAft>
-              <a:buSzPts val="1500"/>
-              <a:buChar char="●"/>
+                <a:spcPts val="1200"/>
+              </a:spcAft>
             </a:pPr>
             <a:r>
-              <a:rPr lang="en-US" sz="1500" dirty="0"/>
-              <a:t>As the number of features is </a:t>
-            </a:r>
-            <a:r>
-              <a:rPr lang="en-US" sz="1500" b="1" dirty="0"/>
-              <a:t>not </a:t>
-            </a:r>
-            <a:r>
-              <a:rPr lang="en-US" sz="1500" dirty="0"/>
-              <a:t>too high, we started with </a:t>
-            </a:r>
-            <a:r>
-              <a:rPr lang="en-US" sz="1500" b="1" dirty="0"/>
-              <a:t>simple logistic regression</a:t>
-            </a:r>
-            <a:r>
-              <a:rPr lang="en-US" sz="1500" dirty="0"/>
-              <a:t> model </a:t>
-            </a:r>
-            <a:endParaRPr sz="1500" dirty="0"/>
+              <a:rPr lang="en-US" sz="1300" dirty="0">
+                <a:latin typeface="Lato" panose="020F0502020204030203" pitchFamily="34" charset="0"/>
+                <a:ea typeface="Lato" panose="020F0502020204030203" pitchFamily="34" charset="0"/>
+                <a:cs typeface="Lato" panose="020F0502020204030203" pitchFamily="34" charset="0"/>
+              </a:rPr>
+              <a:t>Manual Approach</a:t>
+            </a:r>
           </a:p>
           <a:p>
-            <a:pPr marL="457200" lvl="0" indent="-323850" algn="just" rtl="0">
+            <a:pPr marL="1257300" lvl="2" indent="-342900" algn="just">
               <a:lnSpc>
                 <a:spcPct val="95000"/>
               </a:lnSpc>
               <a:spcBef>
-                <a:spcPts val="0"/>
-              </a:spcBef>
-              <a:spcAft>
-                <a:spcPts val="0"/>
-              </a:spcAft>
-              <a:buSzPts val="1500"/>
-              <a:buChar char="●"/>
+                <a:spcPts val="1200"/>
+              </a:spcBef>
+              <a:spcAft>
+                <a:spcPts val="1200"/>
+              </a:spcAft>
+              <a:buFont typeface="+mj-lt"/>
+              <a:buAutoNum type="arabicPeriod" startAt="2"/>
             </a:pPr>
             <a:r>
-              <a:rPr lang="en-US" sz="1500" dirty="0"/>
-              <a:t>We used 5 folds cross-validation. As we have almost 5000 data,  each fold is having 1000 samples for validation</a:t>
-            </a:r>
-            <a:endParaRPr sz="1500" dirty="0"/>
+              <a:rPr lang="en-US" sz="1300" dirty="0">
+                <a:latin typeface="Lato" panose="020F0502020204030203" pitchFamily="34" charset="0"/>
+                <a:ea typeface="Lato" panose="020F0502020204030203" pitchFamily="34" charset="0"/>
+                <a:cs typeface="Lato" panose="020F0502020204030203" pitchFamily="34" charset="0"/>
+              </a:rPr>
+              <a:t>Variance Inflation Factor Analysis</a:t>
+            </a:r>
           </a:p>
           <a:p>
-            <a:pPr marL="457200" lvl="0" indent="-323850" algn="just" rtl="0">
+            <a:pPr marL="1257300" lvl="2" indent="-342900" algn="just">
               <a:lnSpc>
                 <a:spcPct val="95000"/>
               </a:lnSpc>
               <a:spcBef>
-                <a:spcPts val="0"/>
-              </a:spcBef>
-              <a:spcAft>
-                <a:spcPts val="0"/>
-              </a:spcAft>
-              <a:buSzPts val="1500"/>
-              <a:buChar char="●"/>
+                <a:spcPts val="1200"/>
+              </a:spcBef>
+              <a:spcAft>
+                <a:spcPts val="1200"/>
+              </a:spcAft>
+              <a:buFont typeface="+mj-lt"/>
+              <a:buAutoNum type="arabicPeriod" startAt="2"/>
             </a:pPr>
             <a:r>
-              <a:rPr lang="en-US" sz="1500" dirty="0"/>
-              <a:t>Later we have experimented with </a:t>
-            </a:r>
-            <a:r>
-              <a:rPr lang="en-US" sz="1500" b="1" dirty="0"/>
-              <a:t>Decision Tree, Random Forest and </a:t>
-            </a:r>
-            <a:r>
-              <a:rPr lang="en-US" sz="1500" b="1" dirty="0" err="1"/>
-              <a:t>XGBoost</a:t>
-            </a:r>
-            <a:r>
-              <a:rPr lang="en-US" sz="1500" b="1" dirty="0"/>
-              <a:t> </a:t>
-            </a:r>
-            <a:r>
-              <a:rPr lang="en-US" sz="1500" dirty="0"/>
-              <a:t>models for better and reliable result. </a:t>
-            </a:r>
-            <a:endParaRPr sz="1500" dirty="0"/>
-          </a:p>
-          <a:p>
-            <a:pPr marL="457200" lvl="0" indent="-323850" algn="just" rtl="0">
-              <a:lnSpc>
-                <a:spcPct val="95000"/>
-              </a:lnSpc>
-              <a:spcBef>
-                <a:spcPts val="0"/>
-              </a:spcBef>
-              <a:spcAft>
-                <a:spcPts val="0"/>
-              </a:spcAft>
-              <a:buSzPts val="1500"/>
-              <a:buChar char="●"/>
-            </a:pPr>
-            <a:r>
-              <a:rPr lang="en-US" sz="1500" dirty="0"/>
-              <a:t>We performed </a:t>
-            </a:r>
-            <a:r>
-              <a:rPr lang="en-US" sz="1500" b="1" dirty="0"/>
-              <a:t>Hyperparameter </a:t>
-            </a:r>
-            <a:r>
-              <a:rPr lang="en-US" sz="1500" dirty="0"/>
-              <a:t>tuning and </a:t>
-            </a:r>
-            <a:r>
-              <a:rPr lang="en-US" sz="1500" b="1" dirty="0"/>
-              <a:t>Fine Tuning</a:t>
-            </a:r>
-            <a:r>
-              <a:rPr lang="en-US" sz="1500" dirty="0"/>
-              <a:t> to all the variants.</a:t>
-            </a:r>
-          </a:p>
-          <a:p>
-            <a:pPr marL="457200" lvl="0" indent="-323850" algn="just" rtl="0">
-              <a:lnSpc>
-                <a:spcPct val="95000"/>
-              </a:lnSpc>
-              <a:spcBef>
-                <a:spcPts val="0"/>
-              </a:spcBef>
-              <a:spcAft>
-                <a:spcPts val="0"/>
-              </a:spcAft>
-              <a:buSzPts val="1500"/>
-              <a:buChar char="●"/>
-            </a:pPr>
-            <a:r>
-              <a:rPr lang="en-US" sz="1500" dirty="0"/>
-              <a:t>We have chosen </a:t>
-            </a:r>
-            <a:r>
-              <a:rPr lang="en-US" sz="1500" b="1" dirty="0"/>
-              <a:t>Random Forest Classifier</a:t>
-            </a:r>
-            <a:r>
-              <a:rPr lang="en-US" sz="1500" dirty="0"/>
-              <a:t> as our final model</a:t>
-            </a:r>
-            <a:endParaRPr sz="1500" dirty="0"/>
-          </a:p>
-          <a:p>
-            <a:pPr marL="0" lvl="0" indent="0" algn="just" rtl="0">
-              <a:lnSpc>
-                <a:spcPct val="95000"/>
-              </a:lnSpc>
-              <a:spcBef>
-                <a:spcPts val="1200"/>
-              </a:spcBef>
-              <a:spcAft>
-                <a:spcPts val="1200"/>
-              </a:spcAft>
-              <a:buNone/>
-            </a:pPr>
-            <a:endParaRPr sz="1500" dirty="0"/>
+              <a:rPr lang="en-US" sz="1300" dirty="0">
+                <a:latin typeface="Lato" panose="020F0502020204030203" pitchFamily="34" charset="0"/>
+                <a:ea typeface="Lato" panose="020F0502020204030203" pitchFamily="34" charset="0"/>
+                <a:cs typeface="Lato" panose="020F0502020204030203" pitchFamily="34" charset="0"/>
+              </a:rPr>
+              <a:t>P-Value analysis</a:t>
+            </a:r>
           </a:p>
         </p:txBody>
       </p:sp>
@@ -11477,7 +11442,7 @@
           <p:cNvPr id="2" name="TextBox 1">
             <a:extLst>
               <a:ext uri="{FF2B5EF4-FFF2-40B4-BE49-F238E27FC236}">
-                <a16:creationId xmlns:a16="http://schemas.microsoft.com/office/drawing/2014/main" id="{31A00846-2874-44EC-9DF0-A86067F51E0F}"/>
+                <a16:creationId xmlns:a16="http://schemas.microsoft.com/office/drawing/2014/main" id="{BDE0A14C-A5E3-48A4-AC4E-B73D32042C29}"/>
               </a:ext>
             </a:extLst>
           </p:cNvPr>
@@ -11486,8 +11451,8 @@
         </p:nvSpPr>
         <p:spPr>
           <a:xfrm>
-            <a:off x="6679096" y="6221896"/>
-            <a:ext cx="1739054" cy="307777"/>
+            <a:off x="5695122" y="3886200"/>
+            <a:ext cx="3197358" cy="2031325"/>
           </a:xfrm>
           <a:prstGeom prst="rect">
             <a:avLst/>
@@ -11501,13 +11466,200 @@
           <a:lstStyle/>
           <a:p>
             <a:r>
-              <a:rPr lang="en-US" b="1" dirty="0"/>
-              <a:t>Continue…</a:t>
+              <a:rPr lang="en-US" b="1" dirty="0">
+                <a:latin typeface="Consolas" panose="020B0609020204030204" pitchFamily="49" charset="0"/>
+              </a:rPr>
+              <a:t>Top 8 Features</a:t>
+            </a:r>
+          </a:p>
+          <a:p>
+            <a:pPr marL="342900" indent="-342900">
+              <a:buFont typeface="+mj-lt"/>
+              <a:buAutoNum type="arabicPeriod"/>
+            </a:pPr>
+            <a:r>
+              <a:rPr lang="en-US" dirty="0">
+                <a:latin typeface="Consolas" panose="020B0609020204030204" pitchFamily="49" charset="0"/>
+              </a:rPr>
+              <a:t>'</a:t>
+            </a:r>
+            <a:r>
+              <a:rPr lang="en-US" dirty="0" err="1">
+                <a:latin typeface="Consolas" panose="020B0609020204030204" pitchFamily="49" charset="0"/>
+              </a:rPr>
+              <a:t>having_IP</a:t>
+            </a:r>
+            <a:r>
+              <a:rPr lang="en-US" dirty="0">
+                <a:latin typeface="Consolas" panose="020B0609020204030204" pitchFamily="49" charset="0"/>
+              </a:rPr>
+              <a:t>',</a:t>
+            </a:r>
+          </a:p>
+          <a:p>
+            <a:pPr marL="342900" indent="-342900">
+              <a:buFont typeface="+mj-lt"/>
+              <a:buAutoNum type="arabicPeriod"/>
+            </a:pPr>
+            <a:r>
+              <a:rPr lang="en-US" dirty="0">
+                <a:latin typeface="Consolas" panose="020B0609020204030204" pitchFamily="49" charset="0"/>
+              </a:rPr>
+              <a:t>'</a:t>
+            </a:r>
+            <a:r>
+              <a:rPr lang="en-US" dirty="0" err="1">
+                <a:latin typeface="Consolas" panose="020B0609020204030204" pitchFamily="49" charset="0"/>
+              </a:rPr>
+              <a:t>Google_Index</a:t>
+            </a:r>
+            <a:r>
+              <a:rPr lang="en-US" dirty="0">
+                <a:latin typeface="Consolas" panose="020B0609020204030204" pitchFamily="49" charset="0"/>
+              </a:rPr>
+              <a:t>',</a:t>
+            </a:r>
+          </a:p>
+          <a:p>
+            <a:pPr marL="342900" indent="-342900">
+              <a:buFont typeface="+mj-lt"/>
+              <a:buAutoNum type="arabicPeriod"/>
+            </a:pPr>
+            <a:r>
+              <a:rPr lang="en-US" dirty="0">
+                <a:latin typeface="Consolas" panose="020B0609020204030204" pitchFamily="49" charset="0"/>
+              </a:rPr>
+              <a:t>'SFH',</a:t>
+            </a:r>
+          </a:p>
+          <a:p>
+            <a:pPr marL="342900" indent="-342900">
+              <a:buFont typeface="+mj-lt"/>
+              <a:buAutoNum type="arabicPeriod"/>
+            </a:pPr>
+            <a:r>
+              <a:rPr lang="en-US" dirty="0">
+                <a:latin typeface="Consolas" panose="020B0609020204030204" pitchFamily="49" charset="0"/>
+              </a:rPr>
+              <a:t>'</a:t>
+            </a:r>
+            <a:r>
+              <a:rPr lang="en-US" dirty="0" err="1">
+                <a:latin typeface="Consolas" panose="020B0609020204030204" pitchFamily="49" charset="0"/>
+              </a:rPr>
+              <a:t>Links_pointing_to_page</a:t>
+            </a:r>
+            <a:r>
+              <a:rPr lang="en-US" dirty="0">
+                <a:latin typeface="Consolas" panose="020B0609020204030204" pitchFamily="49" charset="0"/>
+              </a:rPr>
+              <a:t>’</a:t>
+            </a:r>
+          </a:p>
+          <a:p>
+            <a:pPr marL="342900" indent="-342900">
+              <a:buFont typeface="+mj-lt"/>
+              <a:buAutoNum type="arabicPeriod"/>
+            </a:pPr>
+            <a:r>
+              <a:rPr lang="en-US" dirty="0">
+                <a:latin typeface="Consolas" panose="020B0609020204030204" pitchFamily="49" charset="0"/>
+              </a:rPr>
+              <a:t>'</a:t>
+            </a:r>
+            <a:r>
+              <a:rPr lang="en-US" dirty="0" err="1">
+                <a:latin typeface="Consolas" panose="020B0609020204030204" pitchFamily="49" charset="0"/>
+              </a:rPr>
+              <a:t>URL_of_Anchor</a:t>
+            </a:r>
+            <a:r>
+              <a:rPr lang="en-US" dirty="0">
+                <a:latin typeface="Consolas" panose="020B0609020204030204" pitchFamily="49" charset="0"/>
+              </a:rPr>
+              <a:t>',</a:t>
+            </a:r>
+          </a:p>
+          <a:p>
+            <a:pPr marL="342900" indent="-342900">
+              <a:buFont typeface="+mj-lt"/>
+              <a:buAutoNum type="arabicPeriod"/>
+            </a:pPr>
+            <a:r>
+              <a:rPr lang="en-US" dirty="0">
+                <a:latin typeface="Consolas" panose="020B0609020204030204" pitchFamily="49" charset="0"/>
+              </a:rPr>
+              <a:t>'</a:t>
+            </a:r>
+            <a:r>
+              <a:rPr lang="en-US" dirty="0" err="1">
+                <a:latin typeface="Consolas" panose="020B0609020204030204" pitchFamily="49" charset="0"/>
+              </a:rPr>
+              <a:t>Request_URL</a:t>
+            </a:r>
+            <a:r>
+              <a:rPr lang="en-US" dirty="0">
+                <a:latin typeface="Consolas" panose="020B0609020204030204" pitchFamily="49" charset="0"/>
+              </a:rPr>
+              <a:t>',</a:t>
+            </a:r>
+          </a:p>
+          <a:p>
+            <a:pPr marL="342900" indent="-342900">
+              <a:buFont typeface="+mj-lt"/>
+              <a:buAutoNum type="arabicPeriod"/>
+            </a:pPr>
+            <a:r>
+              <a:rPr lang="en-US" dirty="0">
+                <a:latin typeface="Consolas" panose="020B0609020204030204" pitchFamily="49" charset="0"/>
+              </a:rPr>
+              <a:t>'</a:t>
+            </a:r>
+            <a:r>
+              <a:rPr lang="en-US" dirty="0" err="1">
+                <a:latin typeface="Consolas" panose="020B0609020204030204" pitchFamily="49" charset="0"/>
+              </a:rPr>
+              <a:t>Links_in_tags</a:t>
+            </a:r>
+            <a:r>
+              <a:rPr lang="en-US" dirty="0">
+                <a:latin typeface="Consolas" panose="020B0609020204030204" pitchFamily="49" charset="0"/>
+              </a:rPr>
+              <a:t>',</a:t>
+            </a:r>
+          </a:p>
+          <a:p>
+            <a:pPr marL="342900" indent="-342900">
+              <a:buFont typeface="+mj-lt"/>
+              <a:buAutoNum type="arabicPeriod"/>
+            </a:pPr>
+            <a:r>
+              <a:rPr lang="en-US" dirty="0">
+                <a:latin typeface="Consolas" panose="020B0609020204030204" pitchFamily="49" charset="0"/>
+              </a:rPr>
+              <a:t>'</a:t>
+            </a:r>
+            <a:r>
+              <a:rPr lang="en-US" dirty="0" err="1">
+                <a:latin typeface="Consolas" panose="020B0609020204030204" pitchFamily="49" charset="0"/>
+              </a:rPr>
+              <a:t>SSLfinal_State</a:t>
+            </a:r>
+            <a:r>
+              <a:rPr lang="en-US" dirty="0">
+                <a:latin typeface="Consolas" panose="020B0609020204030204" pitchFamily="49" charset="0"/>
+              </a:rPr>
+              <a:t>'</a:t>
             </a:r>
           </a:p>
         </p:txBody>
       </p:sp>
     </p:spTree>
+    <p:extLst>
+      <p:ext uri="{BB962C8B-B14F-4D97-AF65-F5344CB8AC3E}">
+        <p14:creationId xmlns:p14="http://schemas.microsoft.com/office/powerpoint/2010/main" val="2654928602"/>
+      </p:ext>
+    </p:extLst>
   </p:cSld>
   <p:clrMapOvr>
     <a:masterClrMapping/>
@@ -11695,36 +11847,26 @@
           </a:bodyPr>
           <a:lstStyle/>
           <a:p>
-            <a:pPr marL="285750" indent="-285750" algn="just">
+            <a:pPr marL="0" lvl="0" indent="0" algn="just" rtl="0">
               <a:lnSpc>
                 <a:spcPct val="95000"/>
               </a:lnSpc>
               <a:spcBef>
-                <a:spcPts val="1200"/>
-              </a:spcBef>
-              <a:spcAft>
-                <a:spcPts val="1200"/>
-              </a:spcAft>
+                <a:spcPts val="0"/>
+              </a:spcBef>
+              <a:spcAft>
+                <a:spcPts val="0"/>
+              </a:spcAft>
+              <a:buNone/>
             </a:pPr>
             <a:r>
-              <a:rPr lang="en-US" sz="1500" dirty="0"/>
-              <a:t>Using machine learning approach, on submission we achieved</a:t>
-            </a:r>
-            <a:r>
               <a:rPr lang="en-US" sz="1500" b="1" dirty="0"/>
-              <a:t> </a:t>
-            </a:r>
-            <a:r>
-              <a:rPr lang="en-US" b="1" dirty="0"/>
-              <a:t>92.0906 </a:t>
-            </a:r>
-            <a:r>
-              <a:rPr lang="en-US" dirty="0"/>
-              <a:t>score.</a:t>
-            </a:r>
+              <a:t>Performance Metric:</a:t>
+            </a:r>
+            <a:endParaRPr sz="1500" b="1" dirty="0"/>
           </a:p>
           <a:p>
-            <a:pPr marL="285750" indent="-285750" algn="just">
+            <a:pPr marL="457200" lvl="0" indent="-323850" algn="just" rtl="0">
               <a:lnSpc>
                 <a:spcPct val="95000"/>
               </a:lnSpc>
@@ -11732,101 +11874,63 @@
                 <a:spcPts val="1200"/>
               </a:spcBef>
               <a:spcAft>
-                <a:spcPts val="1200"/>
-              </a:spcAft>
+                <a:spcPts val="0"/>
+              </a:spcAft>
+              <a:buSzPts val="1500"/>
+              <a:buChar char="●"/>
             </a:pPr>
             <a:r>
               <a:rPr lang="en-US" sz="1500" dirty="0"/>
-              <a:t>Later to improve the score we took an unconventional approach:</a:t>
-            </a:r>
+              <a:t>Our idea is to keep the</a:t>
+            </a:r>
+            <a:r>
+              <a:rPr lang="en-US" sz="1500" b="1" dirty="0"/>
+              <a:t> False Negative Rate(FNR) </a:t>
+            </a:r>
+            <a:r>
+              <a:rPr lang="en-US" sz="1500" dirty="0"/>
+              <a:t>as </a:t>
+            </a:r>
+            <a:r>
+              <a:rPr lang="en-US" sz="1500" b="1" dirty="0"/>
+              <a:t>low </a:t>
+            </a:r>
+            <a:r>
+              <a:rPr lang="en-US" sz="1500" dirty="0"/>
+              <a:t>as possible.</a:t>
+            </a:r>
+            <a:endParaRPr sz="1500" dirty="0"/>
           </a:p>
           <a:p>
-            <a:pPr marL="285750" indent="-285750" algn="just">
+            <a:pPr marL="457200" lvl="0" indent="-323850" algn="just" rtl="0">
               <a:lnSpc>
                 <a:spcPct val="95000"/>
               </a:lnSpc>
               <a:spcBef>
-                <a:spcPts val="1200"/>
-              </a:spcBef>
-              <a:spcAft>
-                <a:spcPts val="1200"/>
-              </a:spcAft>
+                <a:spcPts val="0"/>
+              </a:spcBef>
+              <a:spcAft>
+                <a:spcPts val="0"/>
+              </a:spcAft>
+              <a:buSzPts val="1500"/>
+              <a:buChar char="●"/>
             </a:pPr>
             <a:r>
-              <a:rPr lang="en-US" sz="1500" dirty="0">
-                <a:latin typeface="Lato" panose="020F0502020204030203" pitchFamily="34" charset="0"/>
-                <a:ea typeface="Lato" panose="020F0502020204030203" pitchFamily="34" charset="0"/>
-                <a:cs typeface="Lato" panose="020F0502020204030203" pitchFamily="34" charset="0"/>
-              </a:rPr>
-              <a:t>We have compared all </a:t>
-            </a:r>
-            <a:r>
-              <a:rPr lang="en-US" sz="1500" b="1" dirty="0">
-                <a:latin typeface="Lato" panose="020F0502020204030203" pitchFamily="34" charset="0"/>
-                <a:ea typeface="Lato" panose="020F0502020204030203" pitchFamily="34" charset="0"/>
-                <a:cs typeface="Lato" panose="020F0502020204030203" pitchFamily="34" charset="0"/>
-              </a:rPr>
-              <a:t>identical</a:t>
-            </a:r>
-            <a:r>
-              <a:rPr lang="en-US" sz="1500" dirty="0">
-                <a:latin typeface="Lato" panose="020F0502020204030203" pitchFamily="34" charset="0"/>
-                <a:ea typeface="Lato" panose="020F0502020204030203" pitchFamily="34" charset="0"/>
-                <a:cs typeface="Lato" panose="020F0502020204030203" pitchFamily="34" charset="0"/>
-              </a:rPr>
-              <a:t> records from both(train and test) dataset and </a:t>
-            </a:r>
-            <a:r>
-              <a:rPr lang="en-US" sz="1500" b="1" dirty="0">
-                <a:latin typeface="Lato" panose="020F0502020204030203" pitchFamily="34" charset="0"/>
-                <a:ea typeface="Lato" panose="020F0502020204030203" pitchFamily="34" charset="0"/>
-                <a:cs typeface="Lato" panose="020F0502020204030203" pitchFamily="34" charset="0"/>
-              </a:rPr>
-              <a:t>copy</a:t>
-            </a:r>
-            <a:r>
-              <a:rPr lang="en-US" sz="1500" dirty="0">
-                <a:latin typeface="Lato" panose="020F0502020204030203" pitchFamily="34" charset="0"/>
-                <a:ea typeface="Lato" panose="020F0502020204030203" pitchFamily="34" charset="0"/>
-                <a:cs typeface="Lato" panose="020F0502020204030203" pitchFamily="34" charset="0"/>
-              </a:rPr>
-              <a:t> the </a:t>
-            </a:r>
-            <a:r>
-              <a:rPr lang="en-US" sz="1500" b="1" dirty="0">
-                <a:latin typeface="Lato" panose="020F0502020204030203" pitchFamily="34" charset="0"/>
-                <a:ea typeface="Lato" panose="020F0502020204030203" pitchFamily="34" charset="0"/>
-                <a:cs typeface="Lato" panose="020F0502020204030203" pitchFamily="34" charset="0"/>
-              </a:rPr>
-              <a:t>Result</a:t>
-            </a:r>
-            <a:r>
-              <a:rPr lang="en-US" sz="1500" dirty="0">
-                <a:latin typeface="Lato" panose="020F0502020204030203" pitchFamily="34" charset="0"/>
-                <a:ea typeface="Lato" panose="020F0502020204030203" pitchFamily="34" charset="0"/>
-                <a:cs typeface="Lato" panose="020F0502020204030203" pitchFamily="34" charset="0"/>
-              </a:rPr>
-              <a:t> variable form </a:t>
-            </a:r>
-            <a:r>
-              <a:rPr lang="en-US" sz="1500" b="1" dirty="0">
-                <a:latin typeface="Lato" panose="020F0502020204030203" pitchFamily="34" charset="0"/>
-                <a:ea typeface="Lato" panose="020F0502020204030203" pitchFamily="34" charset="0"/>
-                <a:cs typeface="Lato" panose="020F0502020204030203" pitchFamily="34" charset="0"/>
-              </a:rPr>
-              <a:t>train to test</a:t>
-            </a:r>
-            <a:r>
-              <a:rPr lang="en-US" sz="1500" dirty="0">
-                <a:latin typeface="Lato" panose="020F0502020204030203" pitchFamily="34" charset="0"/>
-                <a:ea typeface="Lato" panose="020F0502020204030203" pitchFamily="34" charset="0"/>
-                <a:cs typeface="Lato" panose="020F0502020204030203" pitchFamily="34" charset="0"/>
-              </a:rPr>
-              <a:t>.</a:t>
-            </a:r>
+              <a:rPr lang="en-US" sz="1500" dirty="0"/>
+              <a:t>We took </a:t>
+            </a:r>
+            <a:r>
+              <a:rPr lang="en-US" sz="1500" b="1" dirty="0"/>
+              <a:t>ROC_AUC</a:t>
+            </a:r>
+            <a:r>
+              <a:rPr lang="en-US" sz="1500" dirty="0"/>
+              <a:t> as our evaluation metric.</a:t>
+            </a:r>
+            <a:endParaRPr sz="1500" dirty="0"/>
           </a:p>
           <a:p>
-            <a:pPr marL="285750" indent="-285750" algn="just">
+            <a:pPr marL="0" lvl="0" indent="0" algn="just" rtl="0">
               <a:lnSpc>
                 <a:spcPct val="95000"/>
               </a:lnSpc>
@@ -11834,84 +11938,17 @@
                 <a:spcPts val="1200"/>
               </a:spcBef>
               <a:spcAft>
-                <a:spcPts val="1200"/>
-              </a:spcAft>
+                <a:spcPts val="0"/>
+              </a:spcAft>
+              <a:buNone/>
             </a:pPr>
             <a:r>
-              <a:rPr lang="en-US" sz="1500" dirty="0">
-                <a:latin typeface="Lato" panose="020F0502020204030203" pitchFamily="34" charset="0"/>
-                <a:ea typeface="Lato" panose="020F0502020204030203" pitchFamily="34" charset="0"/>
-                <a:cs typeface="Lato" panose="020F0502020204030203" pitchFamily="34" charset="0"/>
-              </a:rPr>
-              <a:t>Then found </a:t>
-            </a:r>
-            <a:r>
-              <a:rPr lang="en-US" sz="1500" b="1" dirty="0">
-                <a:latin typeface="Lato" panose="020F0502020204030203" pitchFamily="34" charset="0"/>
-                <a:ea typeface="Lato" panose="020F0502020204030203" pitchFamily="34" charset="0"/>
-                <a:cs typeface="Lato" panose="020F0502020204030203" pitchFamily="34" charset="0"/>
-              </a:rPr>
-              <a:t>653 unseen records </a:t>
-            </a:r>
-            <a:r>
-              <a:rPr lang="en-US" sz="1500" dirty="0">
-                <a:latin typeface="Lato" panose="020F0502020204030203" pitchFamily="34" charset="0"/>
-                <a:ea typeface="Lato" panose="020F0502020204030203" pitchFamily="34" charset="0"/>
-                <a:cs typeface="Lato" panose="020F0502020204030203" pitchFamily="34" charset="0"/>
-              </a:rPr>
-              <a:t>in </a:t>
-            </a:r>
-            <a:r>
-              <a:rPr lang="en-US" sz="1500" b="1" dirty="0">
-                <a:latin typeface="Lato" panose="020F0502020204030203" pitchFamily="34" charset="0"/>
-                <a:ea typeface="Lato" panose="020F0502020204030203" pitchFamily="34" charset="0"/>
-                <a:cs typeface="Lato" panose="020F0502020204030203" pitchFamily="34" charset="0"/>
-              </a:rPr>
-              <a:t>test</a:t>
-            </a:r>
-            <a:r>
-              <a:rPr lang="en-US" sz="1500" dirty="0">
-                <a:latin typeface="Lato" panose="020F0502020204030203" pitchFamily="34" charset="0"/>
-                <a:ea typeface="Lato" panose="020F0502020204030203" pitchFamily="34" charset="0"/>
-                <a:cs typeface="Lato" panose="020F0502020204030203" pitchFamily="34" charset="0"/>
-              </a:rPr>
-              <a:t> data. We have predicted the </a:t>
-            </a:r>
-            <a:r>
-              <a:rPr lang="en-US" sz="1500" b="1" dirty="0">
-                <a:latin typeface="Lato" panose="020F0502020204030203" pitchFamily="34" charset="0"/>
-                <a:ea typeface="Lato" panose="020F0502020204030203" pitchFamily="34" charset="0"/>
-                <a:cs typeface="Lato" panose="020F0502020204030203" pitchFamily="34" charset="0"/>
-              </a:rPr>
-              <a:t>Result</a:t>
-            </a:r>
-            <a:r>
-              <a:rPr lang="en-US" sz="1500" dirty="0">
-                <a:latin typeface="Lato" panose="020F0502020204030203" pitchFamily="34" charset="0"/>
-                <a:ea typeface="Lato" panose="020F0502020204030203" pitchFamily="34" charset="0"/>
-                <a:cs typeface="Lato" panose="020F0502020204030203" pitchFamily="34" charset="0"/>
-              </a:rPr>
-              <a:t> variable with our </a:t>
-            </a:r>
-            <a:r>
-              <a:rPr lang="en-US" sz="1500" b="1" dirty="0">
-                <a:latin typeface="Lato" panose="020F0502020204030203" pitchFamily="34" charset="0"/>
-                <a:ea typeface="Lato" panose="020F0502020204030203" pitchFamily="34" charset="0"/>
-                <a:cs typeface="Lato" panose="020F0502020204030203" pitchFamily="34" charset="0"/>
-              </a:rPr>
-              <a:t>final model</a:t>
-            </a:r>
-            <a:r>
-              <a:rPr lang="en-US" sz="1500" dirty="0">
-                <a:latin typeface="Lato" panose="020F0502020204030203" pitchFamily="34" charset="0"/>
-                <a:ea typeface="Lato" panose="020F0502020204030203" pitchFamily="34" charset="0"/>
-                <a:cs typeface="Lato" panose="020F0502020204030203" pitchFamily="34" charset="0"/>
-              </a:rPr>
-              <a:t> for those unseen records.</a:t>
+              <a:rPr lang="en-US" sz="1500" b="1" dirty="0"/>
+              <a:t>Model:</a:t>
             </a:r>
           </a:p>
           <a:p>
-            <a:pPr marL="285750" indent="-285750" algn="just">
+            <a:pPr marL="457200" lvl="0" indent="-323850" algn="just" rtl="0">
               <a:lnSpc>
                 <a:spcPct val="95000"/>
               </a:lnSpc>
@@ -11919,42 +11956,174 @@
                 <a:spcPts val="1200"/>
               </a:spcBef>
               <a:spcAft>
+                <a:spcPts val="0"/>
+              </a:spcAft>
+              <a:buSzPts val="1500"/>
+              <a:buChar char="●"/>
+            </a:pPr>
+            <a:r>
+              <a:rPr lang="en-US" sz="1500" dirty="0"/>
+              <a:t>As the number of features is </a:t>
+            </a:r>
+            <a:r>
+              <a:rPr lang="en-US" sz="1500" b="1" dirty="0"/>
+              <a:t>not </a:t>
+            </a:r>
+            <a:r>
+              <a:rPr lang="en-US" sz="1500" dirty="0"/>
+              <a:t>too high, we started with </a:t>
+            </a:r>
+            <a:r>
+              <a:rPr lang="en-US" sz="1500" b="1" dirty="0"/>
+              <a:t>simple logistic regression</a:t>
+            </a:r>
+            <a:r>
+              <a:rPr lang="en-US" sz="1500" dirty="0"/>
+              <a:t> model </a:t>
+            </a:r>
+            <a:endParaRPr sz="1500" dirty="0"/>
+          </a:p>
+          <a:p>
+            <a:pPr marL="457200" lvl="0" indent="-323850" algn="just" rtl="0">
+              <a:lnSpc>
+                <a:spcPct val="95000"/>
+              </a:lnSpc>
+              <a:spcBef>
+                <a:spcPts val="0"/>
+              </a:spcBef>
+              <a:spcAft>
+                <a:spcPts val="0"/>
+              </a:spcAft>
+              <a:buSzPts val="1500"/>
+              <a:buChar char="●"/>
+            </a:pPr>
+            <a:r>
+              <a:rPr lang="en-US" sz="1500" dirty="0"/>
+              <a:t>We used 5 folds cross-validation. As we have almost 5000 data,  each fold is having 1000 samples for validation</a:t>
+            </a:r>
+            <a:endParaRPr sz="1500" dirty="0"/>
+          </a:p>
+          <a:p>
+            <a:pPr marL="457200" lvl="0" indent="-323850" algn="just" rtl="0">
+              <a:lnSpc>
+                <a:spcPct val="95000"/>
+              </a:lnSpc>
+              <a:spcBef>
+                <a:spcPts val="0"/>
+              </a:spcBef>
+              <a:spcAft>
+                <a:spcPts val="0"/>
+              </a:spcAft>
+              <a:buSzPts val="1500"/>
+              <a:buChar char="●"/>
+            </a:pPr>
+            <a:r>
+              <a:rPr lang="en-US" sz="1500" dirty="0"/>
+              <a:t>Later we have experimented with </a:t>
+            </a:r>
+            <a:r>
+              <a:rPr lang="en-US" sz="1500" b="1" dirty="0"/>
+              <a:t>Decision Tree, Random Forest and </a:t>
+            </a:r>
+            <a:r>
+              <a:rPr lang="en-US" sz="1500" b="1" dirty="0" err="1"/>
+              <a:t>XGBoost</a:t>
+            </a:r>
+            <a:r>
+              <a:rPr lang="en-US" sz="1500" b="1" dirty="0"/>
+              <a:t> </a:t>
+            </a:r>
+            <a:r>
+              <a:rPr lang="en-US" sz="1500" dirty="0"/>
+              <a:t>models for better and reliable result. </a:t>
+            </a:r>
+            <a:endParaRPr sz="1500" dirty="0"/>
+          </a:p>
+          <a:p>
+            <a:pPr marL="457200" lvl="0" indent="-323850" algn="just" rtl="0">
+              <a:lnSpc>
+                <a:spcPct val="95000"/>
+              </a:lnSpc>
+              <a:spcBef>
+                <a:spcPts val="0"/>
+              </a:spcBef>
+              <a:spcAft>
+                <a:spcPts val="0"/>
+              </a:spcAft>
+              <a:buSzPts val="1500"/>
+              <a:buChar char="●"/>
+            </a:pPr>
+            <a:r>
+              <a:rPr lang="en-US" sz="1500" dirty="0"/>
+              <a:t>We performed </a:t>
+            </a:r>
+            <a:r>
+              <a:rPr lang="en-US" sz="1500" b="1" dirty="0"/>
+              <a:t>Hyperparameter </a:t>
+            </a:r>
+            <a:r>
+              <a:rPr lang="en-US" sz="1500" dirty="0"/>
+              <a:t>tuning and </a:t>
+            </a:r>
+            <a:r>
+              <a:rPr lang="en-US" sz="1500" b="1" dirty="0"/>
+              <a:t>Fine Tuning</a:t>
+            </a:r>
+            <a:r>
+              <a:rPr lang="en-US" sz="1500" dirty="0"/>
+              <a:t> to all the variants.</a:t>
+            </a:r>
+          </a:p>
+          <a:p>
+            <a:pPr marL="457200" lvl="0" indent="-323850" algn="just" rtl="0">
+              <a:lnSpc>
+                <a:spcPct val="95000"/>
+              </a:lnSpc>
+              <a:spcBef>
+                <a:spcPts val="0"/>
+              </a:spcBef>
+              <a:spcAft>
+                <a:spcPts val="0"/>
+              </a:spcAft>
+              <a:buSzPts val="1500"/>
+              <a:buChar char="●"/>
+            </a:pPr>
+            <a:r>
+              <a:rPr lang="en-US" sz="1500" dirty="0"/>
+              <a:t>We have chosen </a:t>
+            </a:r>
+            <a:r>
+              <a:rPr lang="en-US" sz="1500" b="1" dirty="0" err="1"/>
+              <a:t>XGBoost</a:t>
+            </a:r>
+            <a:r>
+              <a:rPr lang="en-US" sz="1500" b="1" dirty="0"/>
+              <a:t> Classifier</a:t>
+            </a:r>
+            <a:r>
+              <a:rPr lang="en-US" sz="1500" dirty="0"/>
+              <a:t> as our final model</a:t>
+            </a:r>
+            <a:endParaRPr sz="1500" dirty="0"/>
+          </a:p>
+          <a:p>
+            <a:pPr marL="0" lvl="0" indent="0" algn="just" rtl="0">
+              <a:lnSpc>
+                <a:spcPct val="95000"/>
+              </a:lnSpc>
+              <a:spcBef>
                 <a:spcPts val="1200"/>
-              </a:spcAft>
+              </a:spcBef>
+              <a:spcAft>
+                <a:spcPts val="1200"/>
+              </a:spcAft>
+              <a:buNone/>
             </a:pPr>
-            <a:r>
-              <a:rPr lang="en-US" sz="1500" dirty="0">
-                <a:latin typeface="Lato" panose="020F0502020204030203" pitchFamily="34" charset="0"/>
-                <a:ea typeface="Lato" panose="020F0502020204030203" pitchFamily="34" charset="0"/>
-                <a:cs typeface="Lato" panose="020F0502020204030203" pitchFamily="34" charset="0"/>
-              </a:rPr>
-              <a:t>And we have achieved </a:t>
-            </a:r>
-            <a:r>
-              <a:rPr lang="en-US" sz="1500" b="1" dirty="0">
-                <a:latin typeface="Lato" panose="020F0502020204030203" pitchFamily="34" charset="0"/>
-                <a:ea typeface="Lato" panose="020F0502020204030203" pitchFamily="34" charset="0"/>
-                <a:cs typeface="Lato" panose="020F0502020204030203" pitchFamily="34" charset="0"/>
-              </a:rPr>
-              <a:t>95.9677</a:t>
-            </a:r>
-            <a:r>
-              <a:rPr lang="en-US" sz="1500" dirty="0">
-                <a:latin typeface="Lato" panose="020F0502020204030203" pitchFamily="34" charset="0"/>
-                <a:ea typeface="Lato" panose="020F0502020204030203" pitchFamily="34" charset="0"/>
-                <a:cs typeface="Lato" panose="020F0502020204030203" pitchFamily="34" charset="0"/>
-              </a:rPr>
-              <a:t> score</a:t>
-            </a:r>
+            <a:endParaRPr sz="1500" dirty="0"/>
           </a:p>
         </p:txBody>
       </p:sp>
     </p:spTree>
-    <p:extLst>
-      <p:ext uri="{BB962C8B-B14F-4D97-AF65-F5344CB8AC3E}">
-        <p14:creationId xmlns:p14="http://schemas.microsoft.com/office/powerpoint/2010/main" val="2654928602"/>
-      </p:ext>
-    </p:extLst>
   </p:cSld>
   <p:clrMapOvr>
     <a:masterClrMapping/>
@@ -12100,7 +12269,7 @@
                 <a:cs typeface="Lato"/>
                 <a:sym typeface="Lato"/>
               </a:rPr>
-              <a:t>Optimal Probability cutoff: 0.435</a:t>
+              <a:t>Optimal Probability cutoff: 0.486</a:t>
             </a:r>
             <a:endParaRPr b="1" dirty="0">
               <a:latin typeface="Lato"/>
@@ -12113,57 +12282,40 @@
       </p:sp>
       <p:pic>
         <p:nvPicPr>
-          <p:cNvPr id="2050" name="Picture 2">
+          <p:cNvPr id="4" name="Picture 3">
             <a:extLst>
               <a:ext uri="{FF2B5EF4-FFF2-40B4-BE49-F238E27FC236}">
-                <a16:creationId xmlns:a16="http://schemas.microsoft.com/office/drawing/2014/main" id="{DC2D4307-F3B9-4EA8-BC96-24CF783FDD4F}"/>
+                <a16:creationId xmlns:a16="http://schemas.microsoft.com/office/drawing/2014/main" id="{9AC83E8C-10A0-43BB-B1E9-0568984A0771}"/>
               </a:ext>
             </a:extLst>
           </p:cNvPr>
           <p:cNvPicPr>
-            <a:picLocks noChangeAspect="1" noChangeArrowheads="1"/>
+            <a:picLocks noChangeAspect="1"/>
           </p:cNvPicPr>
           <p:nvPr/>
         </p:nvPicPr>
         <p:blipFill>
-          <a:blip r:embed="rId4">
-            <a:extLst>
-              <a:ext uri="{28A0092B-C50C-407E-A947-70E740481C1C}">
-                <a14:useLocalDpi xmlns:a14="http://schemas.microsoft.com/office/drawing/2010/main" val="0"/>
-              </a:ext>
-            </a:extLst>
-          </a:blip>
-          <a:srcRect/>
+          <a:blip r:embed="rId4"/>
           <a:stretch>
             <a:fillRect/>
           </a:stretch>
         </p:blipFill>
-        <p:spPr bwMode="auto">
+        <p:spPr>
           <a:xfrm>
-            <a:off x="87596" y="2656580"/>
-            <a:ext cx="8968808" cy="2819881"/>
+            <a:off x="125760" y="2557991"/>
+            <a:ext cx="8892480" cy="2783392"/>
           </a:xfrm>
           <a:prstGeom prst="rect">
             <a:avLst/>
           </a:prstGeom>
-          <a:noFill/>
-          <a:extLst>
-            <a:ext uri="{909E8E84-426E-40DD-AFC4-6F175D3DCCD1}">
-              <a14:hiddenFill xmlns:a14="http://schemas.microsoft.com/office/drawing/2010/main">
-                <a:solidFill>
-                  <a:srgbClr val="FFFFFF"/>
-                </a:solidFill>
-              </a14:hiddenFill>
-            </a:ext>
-          </a:extLst>
         </p:spPr>
       </p:pic>
       <p:pic>
         <p:nvPicPr>
-          <p:cNvPr id="3" name="Picture 2">
+          <p:cNvPr id="6" name="Picture 5">
             <a:extLst>
               <a:ext uri="{FF2B5EF4-FFF2-40B4-BE49-F238E27FC236}">
-                <a16:creationId xmlns:a16="http://schemas.microsoft.com/office/drawing/2014/main" id="{8B940D05-1763-4DB0-A691-8F840FD6022C}"/>
+                <a16:creationId xmlns:a16="http://schemas.microsoft.com/office/drawing/2014/main" id="{82F74B3D-B254-4D96-9371-EE10D34F0287}"/>
               </a:ext>
             </a:extLst>
           </p:cNvPr>
@@ -12180,8 +12332,8 @@
         </p:blipFill>
         <p:spPr>
           <a:xfrm>
-            <a:off x="1478012" y="5831035"/>
-            <a:ext cx="6187976" cy="617273"/>
+            <a:off x="1677171" y="5801217"/>
+            <a:ext cx="4816257" cy="586791"/>
           </a:xfrm>
           <a:prstGeom prst="rect">
             <a:avLst/>
@@ -12215,59 +12367,12 @@
       </p:grpSpPr>
       <p:pic>
         <p:nvPicPr>
-          <p:cNvPr id="1026" name="Picture 2">
-            <a:extLst>
-              <a:ext uri="{FF2B5EF4-FFF2-40B4-BE49-F238E27FC236}">
-                <a16:creationId xmlns:a16="http://schemas.microsoft.com/office/drawing/2014/main" id="{674FFBE7-147A-4C57-8BAA-E8762F624653}"/>
-              </a:ext>
-            </a:extLst>
-          </p:cNvPr>
-          <p:cNvPicPr>
-            <a:picLocks noChangeAspect="1" noChangeArrowheads="1"/>
-          </p:cNvPicPr>
-          <p:nvPr/>
-        </p:nvPicPr>
-        <p:blipFill>
-          <a:blip r:embed="rId3">
-            <a:extLst>
-              <a:ext uri="{28A0092B-C50C-407E-A947-70E740481C1C}">
-                <a14:useLocalDpi xmlns:a14="http://schemas.microsoft.com/office/drawing/2010/main" val="0"/>
-              </a:ext>
-            </a:extLst>
-          </a:blip>
-          <a:srcRect/>
-          <a:stretch>
-            <a:fillRect/>
-          </a:stretch>
-        </p:blipFill>
-        <p:spPr bwMode="auto">
-          <a:xfrm>
-            <a:off x="264008" y="2373800"/>
-            <a:ext cx="5057775" cy="3638550"/>
-          </a:xfrm>
-          <a:prstGeom prst="rect">
-            <a:avLst/>
-          </a:prstGeom>
-          <a:noFill/>
-          <a:extLst>
-            <a:ext uri="{909E8E84-426E-40DD-AFC4-6F175D3DCCD1}">
-              <a14:hiddenFill xmlns:a14="http://schemas.microsoft.com/office/drawing/2010/main">
-                <a:solidFill>
-                  <a:srgbClr val="FFFFFF"/>
-                </a:solidFill>
-              </a14:hiddenFill>
-            </a:ext>
-          </a:extLst>
-        </p:spPr>
-      </p:pic>
-      <p:pic>
-        <p:nvPicPr>
           <p:cNvPr id="142" name="Google Shape;142;p7"/>
           <p:cNvPicPr preferRelativeResize="0"/>
           <p:nvPr/>
         </p:nvPicPr>
         <p:blipFill rotWithShape="1">
-          <a:blip r:embed="rId4">
+          <a:blip r:embed="rId3">
             <a:alphaModFix/>
           </a:blip>
           <a:srcRect/>
@@ -12348,7 +12453,7 @@
         </p:nvSpPr>
         <p:spPr>
           <a:xfrm>
-            <a:off x="1597799" y="6064258"/>
+            <a:off x="1597800" y="6100262"/>
             <a:ext cx="5948400" cy="400079"/>
           </a:xfrm>
           <a:prstGeom prst="rect">
@@ -12378,11 +12483,11 @@
               <a:rPr lang="en-US" b="1" dirty="0">
                 <a:sym typeface="Lato"/>
               </a:rPr>
-              <a:t>AUC: </a:t>
+              <a:t>AUC: 0.</a:t>
             </a:r>
             <a:r>
               <a:rPr lang="en-US" b="1" dirty="0"/>
-              <a:t>0.9967586280475468</a:t>
+              <a:t>9997774237814413</a:t>
             </a:r>
             <a:endParaRPr b="1" dirty="0">
               <a:sym typeface="Lato"/>
@@ -12405,7 +12510,7 @@
           <p:nvPr/>
         </p:nvPicPr>
         <p:blipFill>
-          <a:blip r:embed="rId5">
+          <a:blip r:embed="rId4">
             <a:extLst>
               <a:ext uri="{28A0092B-C50C-407E-A947-70E740481C1C}">
                 <a14:useLocalDpi xmlns:a14="http://schemas.microsoft.com/office/drawing/2010/main" val="0"/>
@@ -12419,7 +12524,7 @@
         </p:blipFill>
         <p:spPr bwMode="auto">
           <a:xfrm>
-            <a:off x="5321783" y="2376305"/>
+            <a:off x="5294515" y="3353171"/>
             <a:ext cx="3597965" cy="1865820"/>
           </a:xfrm>
           <a:prstGeom prst="rect">
@@ -12435,6 +12540,36 @@
               </a14:hiddenFill>
             </a:ext>
           </a:extLst>
+        </p:spPr>
+      </p:pic>
+      <p:pic>
+        <p:nvPicPr>
+          <p:cNvPr id="3" name="Picture 2">
+            <a:extLst>
+              <a:ext uri="{FF2B5EF4-FFF2-40B4-BE49-F238E27FC236}">
+                <a16:creationId xmlns:a16="http://schemas.microsoft.com/office/drawing/2014/main" id="{E3ADD47D-92DE-45B9-86E3-3EFF01E1D4B7}"/>
+              </a:ext>
+            </a:extLst>
+          </p:cNvPr>
+          <p:cNvPicPr>
+            <a:picLocks noChangeAspect="1"/>
+          </p:cNvPicPr>
+          <p:nvPr/>
+        </p:nvPicPr>
+        <p:blipFill>
+          <a:blip r:embed="rId5"/>
+          <a:stretch>
+            <a:fillRect/>
+          </a:stretch>
+        </p:blipFill>
+        <p:spPr>
+          <a:xfrm>
+            <a:off x="355434" y="2606677"/>
+            <a:ext cx="4842732" cy="3370426"/>
+          </a:xfrm>
+          <a:prstGeom prst="rect">
+            <a:avLst/>
+          </a:prstGeom>
         </p:spPr>
       </p:pic>
     </p:spTree>
